--- a/Final-Group-Presentation/Final-Project-Group3-Presentation.pptx
+++ b/Final-Group-Presentation/Final-Project-Group3-Presentation.pptx
@@ -8,19 +8,21 @@
     <p:sldId id="256" r:id="rId2"/>
     <p:sldId id="257" r:id="rId3"/>
     <p:sldId id="258" r:id="rId4"/>
-    <p:sldId id="260" r:id="rId5"/>
-    <p:sldId id="259" r:id="rId6"/>
-    <p:sldId id="261" r:id="rId7"/>
-    <p:sldId id="262" r:id="rId8"/>
-    <p:sldId id="263" r:id="rId9"/>
-    <p:sldId id="264" r:id="rId10"/>
-    <p:sldId id="265" r:id="rId11"/>
-    <p:sldId id="266" r:id="rId12"/>
-    <p:sldId id="267" r:id="rId13"/>
-    <p:sldId id="269" r:id="rId14"/>
-    <p:sldId id="268" r:id="rId15"/>
-    <p:sldId id="271" r:id="rId16"/>
-    <p:sldId id="270" r:id="rId17"/>
+    <p:sldId id="272" r:id="rId5"/>
+    <p:sldId id="260" r:id="rId6"/>
+    <p:sldId id="259" r:id="rId7"/>
+    <p:sldId id="261" r:id="rId8"/>
+    <p:sldId id="262" r:id="rId9"/>
+    <p:sldId id="263" r:id="rId10"/>
+    <p:sldId id="264" r:id="rId11"/>
+    <p:sldId id="265" r:id="rId12"/>
+    <p:sldId id="266" r:id="rId13"/>
+    <p:sldId id="267" r:id="rId14"/>
+    <p:sldId id="269" r:id="rId15"/>
+    <p:sldId id="268" r:id="rId16"/>
+    <p:sldId id="271" r:id="rId17"/>
+    <p:sldId id="274" r:id="rId18"/>
+    <p:sldId id="270" r:id="rId19"/>
   </p:sldIdLst>
   <p:sldSz cx="12192000" cy="6858000"/>
   <p:notesSz cx="6858000" cy="9144000"/>
@@ -119,6 +121,11 @@
       </a:defRPr>
     </a:lvl9pPr>
   </p:defaultTextStyle>
+  <p:extLst>
+    <p:ext uri="{EFAFB233-063F-42B5-8137-9DF3F51BA10A}">
+      <p15:sldGuideLst xmlns:p15="http://schemas.microsoft.com/office/powerpoint/2012/main"/>
+    </p:ext>
+  </p:extLst>
 </p:presentation>
 </file>
 
@@ -172,7 +179,7 @@
           <a:noFill/>
           <a:extLst>
             <a:ext uri="{909E8E84-426E-40dd-AFC4-6F175D3DCCD1}">
-              <a14:hiddenFill xmlns:a14="http://schemas.microsoft.com/office/drawing/2010/main" xmlns="">
+              <a14:hiddenFill xmlns="" xmlns:a14="http://schemas.microsoft.com/office/drawing/2010/main">
                 <a:solidFill>
                   <a:srgbClr val="FFFFFF"/>
                 </a:solidFill>
@@ -232,7 +239,7 @@
             </a:ln>
             <a:extLst>
               <a:ext uri="{91240B29-F687-4f45-9708-019B960494DF}">
-                <a14:hiddenLine xmlns:a14="http://schemas.microsoft.com/office/drawing/2010/main" xmlns="" w="9525">
+                <a14:hiddenLine xmlns="" xmlns:a14="http://schemas.microsoft.com/office/drawing/2010/main" w="9525">
                   <a:solidFill>
                     <a:srgbClr val="000000"/>
                   </a:solidFill>
@@ -322,7 +329,7 @@
             </a:ln>
             <a:extLst>
               <a:ext uri="{91240B29-F687-4f45-9708-019B960494DF}">
-                <a14:hiddenLine xmlns:a14="http://schemas.microsoft.com/office/drawing/2010/main" xmlns="" w="9525">
+                <a14:hiddenLine xmlns="" xmlns:a14="http://schemas.microsoft.com/office/drawing/2010/main" w="9525">
                   <a:solidFill>
                     <a:srgbClr val="000000"/>
                   </a:solidFill>
@@ -412,7 +419,7 @@
             </a:ln>
             <a:extLst>
               <a:ext uri="{91240B29-F687-4f45-9708-019B960494DF}">
-                <a14:hiddenLine xmlns:a14="http://schemas.microsoft.com/office/drawing/2010/main" xmlns="" w="9525">
+                <a14:hiddenLine xmlns="" xmlns:a14="http://schemas.microsoft.com/office/drawing/2010/main" w="9525">
                   <a:solidFill>
                     <a:srgbClr val="000000"/>
                   </a:solidFill>
@@ -446,7 +453,7 @@
             </a:ln>
             <a:extLst>
               <a:ext uri="{91240B29-F687-4f45-9708-019B960494DF}">
-                <a14:hiddenLine xmlns:a14="http://schemas.microsoft.com/office/drawing/2010/main" xmlns="" w="9525">
+                <a14:hiddenLine xmlns="" xmlns:a14="http://schemas.microsoft.com/office/drawing/2010/main" w="9525">
                   <a:solidFill>
                     <a:srgbClr val="000000"/>
                   </a:solidFill>
@@ -536,7 +543,7 @@
             </a:ln>
             <a:extLst>
               <a:ext uri="{91240B29-F687-4f45-9708-019B960494DF}">
-                <a14:hiddenLine xmlns:a14="http://schemas.microsoft.com/office/drawing/2010/main" xmlns="" w="9525">
+                <a14:hiddenLine xmlns="" xmlns:a14="http://schemas.microsoft.com/office/drawing/2010/main" w="9525">
                   <a:solidFill>
                     <a:srgbClr val="000000"/>
                   </a:solidFill>
@@ -598,7 +605,7 @@
             </a:ln>
             <a:extLst>
               <a:ext uri="{91240B29-F687-4f45-9708-019B960494DF}">
-                <a14:hiddenLine xmlns:a14="http://schemas.microsoft.com/office/drawing/2010/main" xmlns="" w="9525">
+                <a14:hiddenLine xmlns="" xmlns:a14="http://schemas.microsoft.com/office/drawing/2010/main" w="9525">
                   <a:solidFill>
                     <a:srgbClr val="000000"/>
                   </a:solidFill>
@@ -660,7 +667,7 @@
             </a:ln>
             <a:extLst>
               <a:ext uri="{91240B29-F687-4f45-9708-019B960494DF}">
-                <a14:hiddenLine xmlns:a14="http://schemas.microsoft.com/office/drawing/2010/main" xmlns="" w="9525">
+                <a14:hiddenLine xmlns="" xmlns:a14="http://schemas.microsoft.com/office/drawing/2010/main" w="9525">
                   <a:solidFill>
                     <a:srgbClr val="000000"/>
                   </a:solidFill>
@@ -750,7 +757,7 @@
             </a:ln>
             <a:extLst>
               <a:ext uri="{91240B29-F687-4f45-9708-019B960494DF}">
-                <a14:hiddenLine xmlns:a14="http://schemas.microsoft.com/office/drawing/2010/main" xmlns="" w="9525">
+                <a14:hiddenLine xmlns="" xmlns:a14="http://schemas.microsoft.com/office/drawing/2010/main" w="9525">
                   <a:solidFill>
                     <a:srgbClr val="000000"/>
                   </a:solidFill>
@@ -812,7 +819,7 @@
             </a:ln>
             <a:extLst>
               <a:ext uri="{91240B29-F687-4f45-9708-019B960494DF}">
-                <a14:hiddenLine xmlns:a14="http://schemas.microsoft.com/office/drawing/2010/main" xmlns="" w="9525">
+                <a14:hiddenLine xmlns="" xmlns:a14="http://schemas.microsoft.com/office/drawing/2010/main" w="9525">
                   <a:solidFill>
                     <a:srgbClr val="000000"/>
                   </a:solidFill>
@@ -874,7 +881,7 @@
             </a:ln>
             <a:extLst>
               <a:ext uri="{91240B29-F687-4f45-9708-019B960494DF}">
-                <a14:hiddenLine xmlns:a14="http://schemas.microsoft.com/office/drawing/2010/main" xmlns="" w="9525">
+                <a14:hiddenLine xmlns="" xmlns:a14="http://schemas.microsoft.com/office/drawing/2010/main" w="9525">
                   <a:solidFill>
                     <a:srgbClr val="000000"/>
                   </a:solidFill>
@@ -964,7 +971,7 @@
             </a:ln>
             <a:extLst>
               <a:ext uri="{91240B29-F687-4f45-9708-019B960494DF}">
-                <a14:hiddenLine xmlns:a14="http://schemas.microsoft.com/office/drawing/2010/main" xmlns="" w="9525">
+                <a14:hiddenLine xmlns="" xmlns:a14="http://schemas.microsoft.com/office/drawing/2010/main" w="9525">
                   <a:solidFill>
                     <a:srgbClr val="000000"/>
                   </a:solidFill>
@@ -1054,7 +1061,7 @@
             </a:ln>
             <a:extLst>
               <a:ext uri="{91240B29-F687-4f45-9708-019B960494DF}">
-                <a14:hiddenLine xmlns:a14="http://schemas.microsoft.com/office/drawing/2010/main" xmlns="" w="9525">
+                <a14:hiddenLine xmlns="" xmlns:a14="http://schemas.microsoft.com/office/drawing/2010/main" w="9525">
                   <a:solidFill>
                     <a:srgbClr val="000000"/>
                   </a:solidFill>
@@ -1116,7 +1123,7 @@
             </a:ln>
             <a:extLst>
               <a:ext uri="{91240B29-F687-4f45-9708-019B960494DF}">
-                <a14:hiddenLine xmlns:a14="http://schemas.microsoft.com/office/drawing/2010/main" xmlns="" w="9525">
+                <a14:hiddenLine xmlns="" xmlns:a14="http://schemas.microsoft.com/office/drawing/2010/main" w="9525">
                   <a:solidFill>
                     <a:srgbClr val="000000"/>
                   </a:solidFill>
@@ -1226,7 +1233,7 @@
             </a:ln>
             <a:extLst>
               <a:ext uri="{91240B29-F687-4f45-9708-019B960494DF}">
-                <a14:hiddenLine xmlns:a14="http://schemas.microsoft.com/office/drawing/2010/main" xmlns="" w="9525">
+                <a14:hiddenLine xmlns="" xmlns:a14="http://schemas.microsoft.com/office/drawing/2010/main" w="9525">
                   <a:solidFill>
                     <a:srgbClr val="000000"/>
                   </a:solidFill>
@@ -1288,7 +1295,7 @@
             </a:ln>
             <a:extLst>
               <a:ext uri="{91240B29-F687-4f45-9708-019B960494DF}">
-                <a14:hiddenLine xmlns:a14="http://schemas.microsoft.com/office/drawing/2010/main" xmlns="" w="9525">
+                <a14:hiddenLine xmlns="" xmlns:a14="http://schemas.microsoft.com/office/drawing/2010/main" w="9525">
                   <a:solidFill>
                     <a:srgbClr val="000000"/>
                   </a:solidFill>
@@ -1378,7 +1385,7 @@
             </a:ln>
             <a:extLst>
               <a:ext uri="{91240B29-F687-4f45-9708-019B960494DF}">
-                <a14:hiddenLine xmlns:a14="http://schemas.microsoft.com/office/drawing/2010/main" xmlns="" w="9525">
+                <a14:hiddenLine xmlns="" xmlns:a14="http://schemas.microsoft.com/office/drawing/2010/main" w="9525">
                   <a:solidFill>
                     <a:srgbClr val="000000"/>
                   </a:solidFill>
@@ -1468,7 +1475,7 @@
             </a:ln>
             <a:extLst>
               <a:ext uri="{91240B29-F687-4f45-9708-019B960494DF}">
-                <a14:hiddenLine xmlns:a14="http://schemas.microsoft.com/office/drawing/2010/main" xmlns="" w="9525">
+                <a14:hiddenLine xmlns="" xmlns:a14="http://schemas.microsoft.com/office/drawing/2010/main" w="9525">
                   <a:solidFill>
                     <a:srgbClr val="000000"/>
                   </a:solidFill>
@@ -1530,7 +1537,7 @@
             </a:ln>
             <a:extLst>
               <a:ext uri="{91240B29-F687-4f45-9708-019B960494DF}">
-                <a14:hiddenLine xmlns:a14="http://schemas.microsoft.com/office/drawing/2010/main" xmlns="" w="9525">
+                <a14:hiddenLine xmlns="" xmlns:a14="http://schemas.microsoft.com/office/drawing/2010/main" w="9525">
                   <a:solidFill>
                     <a:srgbClr val="000000"/>
                   </a:solidFill>
@@ -1620,7 +1627,7 @@
             </a:ln>
             <a:extLst>
               <a:ext uri="{91240B29-F687-4f45-9708-019B960494DF}">
-                <a14:hiddenLine xmlns:a14="http://schemas.microsoft.com/office/drawing/2010/main" xmlns="" w="9525">
+                <a14:hiddenLine xmlns="" xmlns:a14="http://schemas.microsoft.com/office/drawing/2010/main" w="9525">
                   <a:solidFill>
                     <a:srgbClr val="000000"/>
                   </a:solidFill>
@@ -1710,7 +1717,7 @@
             </a:ln>
             <a:extLst>
               <a:ext uri="{91240B29-F687-4f45-9708-019B960494DF}">
-                <a14:hiddenLine xmlns:a14="http://schemas.microsoft.com/office/drawing/2010/main" xmlns="" w="9525">
+                <a14:hiddenLine xmlns="" xmlns:a14="http://schemas.microsoft.com/office/drawing/2010/main" w="9525">
                   <a:solidFill>
                     <a:srgbClr val="000000"/>
                   </a:solidFill>
@@ -1766,7 +1773,7 @@
             </a:ln>
             <a:extLst>
               <a:ext uri="{91240B29-F687-4f45-9708-019B960494DF}">
-                <a14:hiddenLine xmlns:a14="http://schemas.microsoft.com/office/drawing/2010/main" xmlns="" w="9525">
+                <a14:hiddenLine xmlns="" xmlns:a14="http://schemas.microsoft.com/office/drawing/2010/main" w="9525">
                   <a:solidFill>
                     <a:srgbClr val="000000"/>
                   </a:solidFill>
@@ -1856,7 +1863,7 @@
             </a:ln>
             <a:extLst>
               <a:ext uri="{91240B29-F687-4f45-9708-019B960494DF}">
-                <a14:hiddenLine xmlns:a14="http://schemas.microsoft.com/office/drawing/2010/main" xmlns="" w="9525">
+                <a14:hiddenLine xmlns="" xmlns:a14="http://schemas.microsoft.com/office/drawing/2010/main" w="9525">
                   <a:solidFill>
                     <a:srgbClr val="000000"/>
                   </a:solidFill>
@@ -1912,7 +1919,7 @@
             </a:ln>
             <a:extLst>
               <a:ext uri="{91240B29-F687-4f45-9708-019B960494DF}">
-                <a14:hiddenLine xmlns:a14="http://schemas.microsoft.com/office/drawing/2010/main" xmlns="" w="9525">
+                <a14:hiddenLine xmlns="" xmlns:a14="http://schemas.microsoft.com/office/drawing/2010/main" w="9525">
                   <a:solidFill>
                     <a:srgbClr val="000000"/>
                   </a:solidFill>
@@ -2002,7 +2009,7 @@
             </a:ln>
             <a:extLst>
               <a:ext uri="{91240B29-F687-4f45-9708-019B960494DF}">
-                <a14:hiddenLine xmlns:a14="http://schemas.microsoft.com/office/drawing/2010/main" xmlns="" w="9525">
+                <a14:hiddenLine xmlns="" xmlns:a14="http://schemas.microsoft.com/office/drawing/2010/main" w="9525">
                   <a:solidFill>
                     <a:srgbClr val="000000"/>
                   </a:solidFill>
@@ -2070,7 +2077,7 @@
             </a:ln>
             <a:extLst>
               <a:ext uri="{91240B29-F687-4f45-9708-019B960494DF}">
-                <a14:hiddenLine xmlns:a14="http://schemas.microsoft.com/office/drawing/2010/main" xmlns="" w="9525">
+                <a14:hiddenLine xmlns="" xmlns:a14="http://schemas.microsoft.com/office/drawing/2010/main" w="9525">
                   <a:solidFill>
                     <a:srgbClr val="000000"/>
                   </a:solidFill>
@@ -2160,7 +2167,7 @@
             </a:ln>
             <a:extLst>
               <a:ext uri="{91240B29-F687-4f45-9708-019B960494DF}">
-                <a14:hiddenLine xmlns:a14="http://schemas.microsoft.com/office/drawing/2010/main" xmlns="" w="9525">
+                <a14:hiddenLine xmlns="" xmlns:a14="http://schemas.microsoft.com/office/drawing/2010/main" w="9525">
                   <a:solidFill>
                     <a:srgbClr val="000000"/>
                   </a:solidFill>
@@ -2228,7 +2235,7 @@
             </a:ln>
             <a:extLst>
               <a:ext uri="{91240B29-F687-4f45-9708-019B960494DF}">
-                <a14:hiddenLine xmlns:a14="http://schemas.microsoft.com/office/drawing/2010/main" xmlns="" w="9525">
+                <a14:hiddenLine xmlns="" xmlns:a14="http://schemas.microsoft.com/office/drawing/2010/main" w="9525">
                   <a:solidFill>
                     <a:srgbClr val="000000"/>
                   </a:solidFill>
@@ -2318,7 +2325,7 @@
             </a:ln>
             <a:extLst>
               <a:ext uri="{91240B29-F687-4f45-9708-019B960494DF}">
-                <a14:hiddenLine xmlns:a14="http://schemas.microsoft.com/office/drawing/2010/main" xmlns="" w="9525">
+                <a14:hiddenLine xmlns="" xmlns:a14="http://schemas.microsoft.com/office/drawing/2010/main" w="9525">
                   <a:solidFill>
                     <a:srgbClr val="000000"/>
                   </a:solidFill>
@@ -2352,7 +2359,7 @@
             </a:ln>
             <a:extLst>
               <a:ext uri="{91240B29-F687-4f45-9708-019B960494DF}">
-                <a14:hiddenLine xmlns:a14="http://schemas.microsoft.com/office/drawing/2010/main" xmlns="" w="9525">
+                <a14:hiddenLine xmlns="" xmlns:a14="http://schemas.microsoft.com/office/drawing/2010/main" w="9525">
                   <a:solidFill>
                     <a:srgbClr val="000000"/>
                   </a:solidFill>
@@ -2442,7 +2449,7 @@
             </a:ln>
             <a:extLst>
               <a:ext uri="{91240B29-F687-4f45-9708-019B960494DF}">
-                <a14:hiddenLine xmlns:a14="http://schemas.microsoft.com/office/drawing/2010/main" xmlns="" w="9525">
+                <a14:hiddenLine xmlns="" xmlns:a14="http://schemas.microsoft.com/office/drawing/2010/main" w="9525">
                   <a:solidFill>
                     <a:srgbClr val="000000"/>
                   </a:solidFill>
@@ -2504,7 +2511,7 @@
             </a:ln>
             <a:extLst>
               <a:ext uri="{91240B29-F687-4f45-9708-019B960494DF}">
-                <a14:hiddenLine xmlns:a14="http://schemas.microsoft.com/office/drawing/2010/main" xmlns="" w="9525">
+                <a14:hiddenLine xmlns="" xmlns:a14="http://schemas.microsoft.com/office/drawing/2010/main" w="9525">
                   <a:solidFill>
                     <a:srgbClr val="000000"/>
                   </a:solidFill>
@@ -2566,7 +2573,7 @@
             </a:ln>
             <a:extLst>
               <a:ext uri="{91240B29-F687-4f45-9708-019B960494DF}">
-                <a14:hiddenLine xmlns:a14="http://schemas.microsoft.com/office/drawing/2010/main" xmlns="" w="9525">
+                <a14:hiddenLine xmlns="" xmlns:a14="http://schemas.microsoft.com/office/drawing/2010/main" w="9525">
                   <a:solidFill>
                     <a:srgbClr val="000000"/>
                   </a:solidFill>
@@ -2656,7 +2663,7 @@
             </a:ln>
             <a:extLst>
               <a:ext uri="{91240B29-F687-4f45-9708-019B960494DF}">
-                <a14:hiddenLine xmlns:a14="http://schemas.microsoft.com/office/drawing/2010/main" xmlns="" w="9525">
+                <a14:hiddenLine xmlns="" xmlns:a14="http://schemas.microsoft.com/office/drawing/2010/main" w="9525">
                   <a:solidFill>
                     <a:srgbClr val="000000"/>
                   </a:solidFill>
@@ -2724,7 +2731,7 @@
             </a:ln>
             <a:extLst>
               <a:ext uri="{91240B29-F687-4f45-9708-019B960494DF}">
-                <a14:hiddenLine xmlns:a14="http://schemas.microsoft.com/office/drawing/2010/main" xmlns="" w="9525">
+                <a14:hiddenLine xmlns="" xmlns:a14="http://schemas.microsoft.com/office/drawing/2010/main" w="9525">
                   <a:solidFill>
                     <a:srgbClr val="000000"/>
                   </a:solidFill>
@@ -2786,7 +2793,7 @@
             </a:ln>
             <a:extLst>
               <a:ext uri="{91240B29-F687-4f45-9708-019B960494DF}">
-                <a14:hiddenLine xmlns:a14="http://schemas.microsoft.com/office/drawing/2010/main" xmlns="" w="9525">
+                <a14:hiddenLine xmlns="" xmlns:a14="http://schemas.microsoft.com/office/drawing/2010/main" w="9525">
                   <a:solidFill>
                     <a:srgbClr val="000000"/>
                   </a:solidFill>
@@ -2876,7 +2883,7 @@
             </a:ln>
             <a:extLst>
               <a:ext uri="{91240B29-F687-4f45-9708-019B960494DF}">
-                <a14:hiddenLine xmlns:a14="http://schemas.microsoft.com/office/drawing/2010/main" xmlns="" w="9525">
+                <a14:hiddenLine xmlns="" xmlns:a14="http://schemas.microsoft.com/office/drawing/2010/main" w="9525">
                   <a:solidFill>
                     <a:srgbClr val="000000"/>
                   </a:solidFill>
@@ -2938,7 +2945,7 @@
             </a:ln>
             <a:extLst>
               <a:ext uri="{91240B29-F687-4f45-9708-019B960494DF}">
-                <a14:hiddenLine xmlns:a14="http://schemas.microsoft.com/office/drawing/2010/main" xmlns="" w="9525">
+                <a14:hiddenLine xmlns="" xmlns:a14="http://schemas.microsoft.com/office/drawing/2010/main" w="9525">
                   <a:solidFill>
                     <a:srgbClr val="000000"/>
                   </a:solidFill>
@@ -3028,7 +3035,7 @@
             </a:ln>
             <a:extLst>
               <a:ext uri="{91240B29-F687-4f45-9708-019B960494DF}">
-                <a14:hiddenLine xmlns:a14="http://schemas.microsoft.com/office/drawing/2010/main" xmlns="" w="9525">
+                <a14:hiddenLine xmlns="" xmlns:a14="http://schemas.microsoft.com/office/drawing/2010/main" w="9525">
                   <a:solidFill>
                     <a:srgbClr val="000000"/>
                   </a:solidFill>
@@ -3090,7 +3097,7 @@
             </a:ln>
             <a:extLst>
               <a:ext uri="{91240B29-F687-4f45-9708-019B960494DF}">
-                <a14:hiddenLine xmlns:a14="http://schemas.microsoft.com/office/drawing/2010/main" xmlns="" w="9525">
+                <a14:hiddenLine xmlns="" xmlns:a14="http://schemas.microsoft.com/office/drawing/2010/main" w="9525">
                   <a:solidFill>
                     <a:srgbClr val="000000"/>
                   </a:solidFill>
@@ -3180,7 +3187,7 @@
             </a:ln>
             <a:extLst>
               <a:ext uri="{91240B29-F687-4f45-9708-019B960494DF}">
-                <a14:hiddenLine xmlns:a14="http://schemas.microsoft.com/office/drawing/2010/main" xmlns="" w="9525">
+                <a14:hiddenLine xmlns="" xmlns:a14="http://schemas.microsoft.com/office/drawing/2010/main" w="9525">
                   <a:solidFill>
                     <a:srgbClr val="000000"/>
                   </a:solidFill>
@@ -3214,7 +3221,7 @@
             </a:ln>
             <a:extLst>
               <a:ext uri="{91240B29-F687-4f45-9708-019B960494DF}">
-                <a14:hiddenLine xmlns:a14="http://schemas.microsoft.com/office/drawing/2010/main" xmlns="" w="9525">
+                <a14:hiddenLine xmlns="" xmlns:a14="http://schemas.microsoft.com/office/drawing/2010/main" w="9525">
                   <a:solidFill>
                     <a:srgbClr val="000000"/>
                   </a:solidFill>
@@ -3279,7 +3286,7 @@
             </a:ln>
             <a:extLst>
               <a:ext uri="{91240B29-F687-4f45-9708-019B960494DF}">
-                <a14:hiddenLine xmlns:a14="http://schemas.microsoft.com/office/drawing/2010/main" xmlns="" w="9525">
+                <a14:hiddenLine xmlns="" xmlns:a14="http://schemas.microsoft.com/office/drawing/2010/main" w="9525">
                   <a:solidFill>
                     <a:srgbClr val="000000"/>
                   </a:solidFill>
@@ -3369,7 +3376,7 @@
             </a:ln>
             <a:extLst>
               <a:ext uri="{91240B29-F687-4f45-9708-019B960494DF}">
-                <a14:hiddenLine xmlns:a14="http://schemas.microsoft.com/office/drawing/2010/main" xmlns="" w="9525">
+                <a14:hiddenLine xmlns="" xmlns:a14="http://schemas.microsoft.com/office/drawing/2010/main" w="9525">
                   <a:solidFill>
                     <a:srgbClr val="000000"/>
                   </a:solidFill>
@@ -3431,7 +3438,7 @@
             </a:ln>
             <a:extLst>
               <a:ext uri="{91240B29-F687-4f45-9708-019B960494DF}">
-                <a14:hiddenLine xmlns:a14="http://schemas.microsoft.com/office/drawing/2010/main" xmlns="" w="9525">
+                <a14:hiddenLine xmlns="" xmlns:a14="http://schemas.microsoft.com/office/drawing/2010/main" w="9525">
                   <a:solidFill>
                     <a:srgbClr val="000000"/>
                   </a:solidFill>
@@ -3521,7 +3528,7 @@
             </a:ln>
             <a:extLst>
               <a:ext uri="{91240B29-F687-4f45-9708-019B960494DF}">
-                <a14:hiddenLine xmlns:a14="http://schemas.microsoft.com/office/drawing/2010/main" xmlns="" w="9525">
+                <a14:hiddenLine xmlns="" xmlns:a14="http://schemas.microsoft.com/office/drawing/2010/main" w="9525">
                   <a:solidFill>
                     <a:srgbClr val="000000"/>
                   </a:solidFill>
@@ -3611,7 +3618,7 @@
             </a:ln>
             <a:extLst>
               <a:ext uri="{91240B29-F687-4f45-9708-019B960494DF}">
-                <a14:hiddenLine xmlns:a14="http://schemas.microsoft.com/office/drawing/2010/main" xmlns="" w="9525">
+                <a14:hiddenLine xmlns="" xmlns:a14="http://schemas.microsoft.com/office/drawing/2010/main" w="9525">
                   <a:solidFill>
                     <a:srgbClr val="000000"/>
                   </a:solidFill>
@@ -3676,7 +3683,7 @@
             </a:ln>
             <a:extLst>
               <a:ext uri="{91240B29-F687-4f45-9708-019B960494DF}">
-                <a14:hiddenLine xmlns:a14="http://schemas.microsoft.com/office/drawing/2010/main" xmlns="" w="9525">
+                <a14:hiddenLine xmlns="" xmlns:a14="http://schemas.microsoft.com/office/drawing/2010/main" w="9525">
                   <a:solidFill>
                     <a:srgbClr val="000000"/>
                   </a:solidFill>
@@ -3738,7 +3745,7 @@
             </a:ln>
             <a:extLst>
               <a:ext uri="{91240B29-F687-4f45-9708-019B960494DF}">
-                <a14:hiddenLine xmlns:a14="http://schemas.microsoft.com/office/drawing/2010/main" xmlns="" w="9525">
+                <a14:hiddenLine xmlns="" xmlns:a14="http://schemas.microsoft.com/office/drawing/2010/main" w="9525">
                   <a:solidFill>
                     <a:srgbClr val="000000"/>
                   </a:solidFill>
@@ -3828,7 +3835,7 @@
             </a:ln>
             <a:extLst>
               <a:ext uri="{91240B29-F687-4f45-9708-019B960494DF}">
-                <a14:hiddenLine xmlns:a14="http://schemas.microsoft.com/office/drawing/2010/main" xmlns="" w="9525">
+                <a14:hiddenLine xmlns="" xmlns:a14="http://schemas.microsoft.com/office/drawing/2010/main" w="9525">
                   <a:solidFill>
                     <a:srgbClr val="000000"/>
                   </a:solidFill>
@@ -3918,7 +3925,7 @@
             </a:ln>
             <a:extLst>
               <a:ext uri="{91240B29-F687-4f45-9708-019B960494DF}">
-                <a14:hiddenLine xmlns:a14="http://schemas.microsoft.com/office/drawing/2010/main" xmlns="" w="9525">
+                <a14:hiddenLine xmlns="" xmlns:a14="http://schemas.microsoft.com/office/drawing/2010/main" w="9525">
                   <a:solidFill>
                     <a:srgbClr val="000000"/>
                   </a:solidFill>
@@ -3980,7 +3987,7 @@
             </a:ln>
             <a:extLst>
               <a:ext uri="{91240B29-F687-4f45-9708-019B960494DF}">
-                <a14:hiddenLine xmlns:a14="http://schemas.microsoft.com/office/drawing/2010/main" xmlns="" w="9525">
+                <a14:hiddenLine xmlns="" xmlns:a14="http://schemas.microsoft.com/office/drawing/2010/main" w="9525">
                   <a:solidFill>
                     <a:srgbClr val="000000"/>
                   </a:solidFill>
@@ -4100,7 +4107,7 @@
             </a:ln>
             <a:extLst>
               <a:ext uri="{91240B29-F687-4f45-9708-019B960494DF}">
-                <a14:hiddenLine xmlns:a14="http://schemas.microsoft.com/office/drawing/2010/main" xmlns="" w="9525">
+                <a14:hiddenLine xmlns="" xmlns:a14="http://schemas.microsoft.com/office/drawing/2010/main" w="9525">
                   <a:solidFill>
                     <a:srgbClr val="000000"/>
                   </a:solidFill>
@@ -4168,7 +4175,7 @@
             </a:ln>
             <a:extLst>
               <a:ext uri="{91240B29-F687-4f45-9708-019B960494DF}">
-                <a14:hiddenLine xmlns:a14="http://schemas.microsoft.com/office/drawing/2010/main" xmlns="" w="9525">
+                <a14:hiddenLine xmlns="" xmlns:a14="http://schemas.microsoft.com/office/drawing/2010/main" w="9525">
                   <a:solidFill>
                     <a:srgbClr val="000000"/>
                   </a:solidFill>
@@ -4258,7 +4265,7 @@
             </a:ln>
             <a:extLst>
               <a:ext uri="{91240B29-F687-4f45-9708-019B960494DF}">
-                <a14:hiddenLine xmlns:a14="http://schemas.microsoft.com/office/drawing/2010/main" xmlns="" w="9525">
+                <a14:hiddenLine xmlns="" xmlns:a14="http://schemas.microsoft.com/office/drawing/2010/main" w="9525">
                   <a:solidFill>
                     <a:srgbClr val="000000"/>
                   </a:solidFill>
@@ -4398,7 +4405,7 @@
           <a:p>
             <a:fld id="{48A87A34-81AB-432B-8DAE-1953F412C126}" type="datetimeFigureOut">
               <a:rPr lang="en-US" dirty="0"/>
-              <a:t>4/23/19</a:t>
+              <a:t>4/24/19</a:t>
             </a:fld>
             <a:endParaRPr lang="en-US" dirty="0"/>
           </a:p>
@@ -4660,7 +4667,7 @@
           <a:p>
             <a:fld id="{48A87A34-81AB-432B-8DAE-1953F412C126}" type="datetimeFigureOut">
               <a:rPr lang="en-US" dirty="0"/>
-              <a:t>4/23/19</a:t>
+              <a:t>4/24/19</a:t>
             </a:fld>
             <a:endParaRPr lang="en-US" dirty="0"/>
           </a:p>
@@ -4851,7 +4858,7 @@
           <a:p>
             <a:fld id="{48A87A34-81AB-432B-8DAE-1953F412C126}" type="datetimeFigureOut">
               <a:rPr lang="en-US" dirty="0"/>
-              <a:t>4/23/19</a:t>
+              <a:t>4/24/19</a:t>
             </a:fld>
             <a:endParaRPr lang="en-US" dirty="0"/>
           </a:p>
@@ -5109,7 +5116,7 @@
           <a:p>
             <a:fld id="{48A87A34-81AB-432B-8DAE-1953F412C126}" type="datetimeFigureOut">
               <a:rPr lang="en-US" dirty="0"/>
-              <a:t>4/23/19</a:t>
+              <a:t>4/24/19</a:t>
             </a:fld>
             <a:endParaRPr lang="en-US" dirty="0"/>
           </a:p>
@@ -5538,7 +5545,7 @@
           <a:p>
             <a:fld id="{48A87A34-81AB-432B-8DAE-1953F412C126}" type="datetimeFigureOut">
               <a:rPr lang="en-US" dirty="0"/>
-              <a:t>4/23/19</a:t>
+              <a:t>4/24/19</a:t>
             </a:fld>
             <a:endParaRPr lang="en-US" dirty="0"/>
           </a:p>
@@ -6079,7 +6086,7 @@
           <a:p>
             <a:fld id="{48A87A34-81AB-432B-8DAE-1953F412C126}" type="datetimeFigureOut">
               <a:rPr lang="en-US" dirty="0"/>
-              <a:t>4/23/19</a:t>
+              <a:t>4/24/19</a:t>
             </a:fld>
             <a:endParaRPr lang="en-US" dirty="0"/>
           </a:p>
@@ -6794,7 +6801,7 @@
           <a:p>
             <a:fld id="{48A87A34-81AB-432B-8DAE-1953F412C126}" type="datetimeFigureOut">
               <a:rPr lang="en-US" dirty="0"/>
-              <a:t>4/23/19</a:t>
+              <a:t>4/24/19</a:t>
             </a:fld>
             <a:endParaRPr lang="en-US" dirty="0"/>
           </a:p>
@@ -6959,7 +6966,7 @@
           <a:p>
             <a:fld id="{48A87A34-81AB-432B-8DAE-1953F412C126}" type="datetimeFigureOut">
               <a:rPr lang="en-US" dirty="0"/>
-              <a:t>4/23/19</a:t>
+              <a:t>4/24/19</a:t>
             </a:fld>
             <a:endParaRPr lang="en-US" dirty="0"/>
           </a:p>
@@ -7134,7 +7141,7 @@
           <a:p>
             <a:fld id="{48A87A34-81AB-432B-8DAE-1953F412C126}" type="datetimeFigureOut">
               <a:rPr lang="en-US" dirty="0"/>
-              <a:t>4/23/19</a:t>
+              <a:t>4/24/19</a:t>
             </a:fld>
             <a:endParaRPr lang="en-US" dirty="0"/>
           </a:p>
@@ -7299,7 +7306,7 @@
           <a:p>
             <a:fld id="{48A87A34-81AB-432B-8DAE-1953F412C126}" type="datetimeFigureOut">
               <a:rPr lang="en-US" dirty="0"/>
-              <a:t>4/23/19</a:t>
+              <a:t>4/24/19</a:t>
             </a:fld>
             <a:endParaRPr lang="en-US" dirty="0"/>
           </a:p>
@@ -7544,7 +7551,7 @@
           <a:p>
             <a:fld id="{48A87A34-81AB-432B-8DAE-1953F412C126}" type="datetimeFigureOut">
               <a:rPr lang="en-US" dirty="0"/>
-              <a:t>4/23/19</a:t>
+              <a:t>4/24/19</a:t>
             </a:fld>
             <a:endParaRPr lang="en-US" dirty="0"/>
           </a:p>
@@ -7771,7 +7778,7 @@
           <a:p>
             <a:fld id="{48A87A34-81AB-432B-8DAE-1953F412C126}" type="datetimeFigureOut">
               <a:rPr lang="en-US" dirty="0"/>
-              <a:t>4/23/19</a:t>
+              <a:t>4/24/19</a:t>
             </a:fld>
             <a:endParaRPr lang="en-US" dirty="0"/>
           </a:p>
@@ -8147,7 +8154,7 @@
           <a:p>
             <a:fld id="{48A87A34-81AB-432B-8DAE-1953F412C126}" type="datetimeFigureOut">
               <a:rPr lang="en-US" dirty="0"/>
-              <a:t>4/23/19</a:t>
+              <a:t>4/24/19</a:t>
             </a:fld>
             <a:endParaRPr lang="en-US" dirty="0"/>
           </a:p>
@@ -8260,7 +8267,7 @@
           <a:p>
             <a:fld id="{48A87A34-81AB-432B-8DAE-1953F412C126}" type="datetimeFigureOut">
               <a:rPr lang="en-US" dirty="0"/>
-              <a:t>4/23/19</a:t>
+              <a:t>4/24/19</a:t>
             </a:fld>
             <a:endParaRPr lang="en-US" dirty="0"/>
           </a:p>
@@ -8350,7 +8357,7 @@
           <a:p>
             <a:fld id="{48A87A34-81AB-432B-8DAE-1953F412C126}" type="datetimeFigureOut">
               <a:rPr lang="en-US" dirty="0"/>
-              <a:t>4/23/19</a:t>
+              <a:t>4/24/19</a:t>
             </a:fld>
             <a:endParaRPr lang="en-US" dirty="0"/>
           </a:p>
@@ -8594,7 +8601,7 @@
           <a:p>
             <a:fld id="{48A87A34-81AB-432B-8DAE-1953F412C126}" type="datetimeFigureOut">
               <a:rPr lang="en-US" dirty="0"/>
-              <a:t>4/23/19</a:t>
+              <a:t>4/24/19</a:t>
             </a:fld>
             <a:endParaRPr lang="en-US" dirty="0"/>
           </a:p>
@@ -8869,7 +8876,7 @@
           <a:p>
             <a:fld id="{48A87A34-81AB-432B-8DAE-1953F412C126}" type="datetimeFigureOut">
               <a:rPr lang="en-US" dirty="0"/>
-              <a:t>4/23/19</a:t>
+              <a:t>4/24/19</a:t>
             </a:fld>
             <a:endParaRPr lang="en-US" dirty="0"/>
           </a:p>
@@ -8980,7 +8987,7 @@
           <a:noFill/>
           <a:extLst>
             <a:ext uri="{909E8E84-426E-40dd-AFC4-6F175D3DCCD1}">
-              <a14:hiddenFill xmlns:a14="http://schemas.microsoft.com/office/drawing/2010/main" xmlns="">
+              <a14:hiddenFill xmlns="" xmlns:a14="http://schemas.microsoft.com/office/drawing/2010/main">
                 <a:solidFill>
                   <a:srgbClr val="FFFFFF"/>
                 </a:solidFill>
@@ -9054,7 +9061,7 @@
               </a:ln>
               <a:extLst>
                 <a:ext uri="{91240B29-F687-4f45-9708-019B960494DF}">
-                  <a14:hiddenLine xmlns:a14="http://schemas.microsoft.com/office/drawing/2010/main" xmlns="" w="9525">
+                  <a14:hiddenLine xmlns="" xmlns:a14="http://schemas.microsoft.com/office/drawing/2010/main" w="9525">
                     <a:solidFill>
                       <a:srgbClr val="000000"/>
                     </a:solidFill>
@@ -9144,7 +9151,7 @@
               </a:ln>
               <a:extLst>
                 <a:ext uri="{91240B29-F687-4f45-9708-019B960494DF}">
-                  <a14:hiddenLine xmlns:a14="http://schemas.microsoft.com/office/drawing/2010/main" xmlns="" w="9525">
+                  <a14:hiddenLine xmlns="" xmlns:a14="http://schemas.microsoft.com/office/drawing/2010/main" w="9525">
                     <a:solidFill>
                       <a:srgbClr val="000000"/>
                     </a:solidFill>
@@ -9234,7 +9241,7 @@
               </a:ln>
               <a:extLst>
                 <a:ext uri="{91240B29-F687-4f45-9708-019B960494DF}">
-                  <a14:hiddenLine xmlns:a14="http://schemas.microsoft.com/office/drawing/2010/main" xmlns="" w="9525">
+                  <a14:hiddenLine xmlns="" xmlns:a14="http://schemas.microsoft.com/office/drawing/2010/main" w="9525">
                     <a:solidFill>
                       <a:srgbClr val="000000"/>
                     </a:solidFill>
@@ -9296,7 +9303,7 @@
               </a:ln>
               <a:extLst>
                 <a:ext uri="{91240B29-F687-4f45-9708-019B960494DF}">
-                  <a14:hiddenLine xmlns:a14="http://schemas.microsoft.com/office/drawing/2010/main" xmlns="" w="9525">
+                  <a14:hiddenLine xmlns="" xmlns:a14="http://schemas.microsoft.com/office/drawing/2010/main" w="9525">
                     <a:solidFill>
                       <a:srgbClr val="000000"/>
                     </a:solidFill>
@@ -9386,7 +9393,7 @@
               </a:ln>
               <a:extLst>
                 <a:ext uri="{91240B29-F687-4f45-9708-019B960494DF}">
-                  <a14:hiddenLine xmlns:a14="http://schemas.microsoft.com/office/drawing/2010/main" xmlns="" w="9525">
+                  <a14:hiddenLine xmlns="" xmlns:a14="http://schemas.microsoft.com/office/drawing/2010/main" w="9525">
                     <a:solidFill>
                       <a:srgbClr val="000000"/>
                     </a:solidFill>
@@ -9448,7 +9455,7 @@
               </a:ln>
               <a:extLst>
                 <a:ext uri="{91240B29-F687-4f45-9708-019B960494DF}">
-                  <a14:hiddenLine xmlns:a14="http://schemas.microsoft.com/office/drawing/2010/main" xmlns="" w="9525">
+                  <a14:hiddenLine xmlns="" xmlns:a14="http://schemas.microsoft.com/office/drawing/2010/main" w="9525">
                     <a:solidFill>
                       <a:srgbClr val="000000"/>
                     </a:solidFill>
@@ -9510,7 +9517,7 @@
               </a:ln>
               <a:extLst>
                 <a:ext uri="{91240B29-F687-4f45-9708-019B960494DF}">
-                  <a14:hiddenLine xmlns:a14="http://schemas.microsoft.com/office/drawing/2010/main" xmlns="" w="9525">
+                  <a14:hiddenLine xmlns="" xmlns:a14="http://schemas.microsoft.com/office/drawing/2010/main" w="9525">
                     <a:solidFill>
                       <a:srgbClr val="000000"/>
                     </a:solidFill>
@@ -9600,7 +9607,7 @@
               </a:ln>
               <a:extLst>
                 <a:ext uri="{91240B29-F687-4f45-9708-019B960494DF}">
-                  <a14:hiddenLine xmlns:a14="http://schemas.microsoft.com/office/drawing/2010/main" xmlns="" w="9525">
+                  <a14:hiddenLine xmlns="" xmlns:a14="http://schemas.microsoft.com/office/drawing/2010/main" w="9525">
                     <a:solidFill>
                       <a:srgbClr val="000000"/>
                     </a:solidFill>
@@ -9690,7 +9697,7 @@
               </a:ln>
               <a:extLst>
                 <a:ext uri="{91240B29-F687-4f45-9708-019B960494DF}">
-                  <a14:hiddenLine xmlns:a14="http://schemas.microsoft.com/office/drawing/2010/main" xmlns="" w="9525">
+                  <a14:hiddenLine xmlns="" xmlns:a14="http://schemas.microsoft.com/office/drawing/2010/main" w="9525">
                     <a:solidFill>
                       <a:srgbClr val="000000"/>
                     </a:solidFill>
@@ -9752,7 +9759,7 @@
               </a:ln>
               <a:extLst>
                 <a:ext uri="{91240B29-F687-4f45-9708-019B960494DF}">
-                  <a14:hiddenLine xmlns:a14="http://schemas.microsoft.com/office/drawing/2010/main" xmlns="" w="9525">
+                  <a14:hiddenLine xmlns="" xmlns:a14="http://schemas.microsoft.com/office/drawing/2010/main" w="9525">
                     <a:solidFill>
                       <a:srgbClr val="000000"/>
                     </a:solidFill>
@@ -9862,7 +9869,7 @@
               </a:ln>
               <a:extLst>
                 <a:ext uri="{91240B29-F687-4f45-9708-019B960494DF}">
-                  <a14:hiddenLine xmlns:a14="http://schemas.microsoft.com/office/drawing/2010/main" xmlns="" w="9525">
+                  <a14:hiddenLine xmlns="" xmlns:a14="http://schemas.microsoft.com/office/drawing/2010/main" w="9525">
                     <a:solidFill>
                       <a:srgbClr val="000000"/>
                     </a:solidFill>
@@ -9946,7 +9953,7 @@
               </a:ln>
               <a:extLst>
                 <a:ext uri="{91240B29-F687-4f45-9708-019B960494DF}">
-                  <a14:hiddenLine xmlns:a14="http://schemas.microsoft.com/office/drawing/2010/main" xmlns="" w="9525">
+                  <a14:hiddenLine xmlns="" xmlns:a14="http://schemas.microsoft.com/office/drawing/2010/main" w="9525">
                     <a:solidFill>
                       <a:srgbClr val="000000"/>
                     </a:solidFill>
@@ -10008,7 +10015,7 @@
               </a:ln>
               <a:extLst>
                 <a:ext uri="{91240B29-F687-4f45-9708-019B960494DF}">
-                  <a14:hiddenLine xmlns:a14="http://schemas.microsoft.com/office/drawing/2010/main" xmlns="" w="9525">
+                  <a14:hiddenLine xmlns="" xmlns:a14="http://schemas.microsoft.com/office/drawing/2010/main" w="9525">
                     <a:solidFill>
                       <a:srgbClr val="000000"/>
                     </a:solidFill>
@@ -10070,7 +10077,7 @@
               </a:ln>
               <a:extLst>
                 <a:ext uri="{91240B29-F687-4f45-9708-019B960494DF}">
-                  <a14:hiddenLine xmlns:a14="http://schemas.microsoft.com/office/drawing/2010/main" xmlns="" w="9525">
+                  <a14:hiddenLine xmlns="" xmlns:a14="http://schemas.microsoft.com/office/drawing/2010/main" w="9525">
                     <a:solidFill>
                       <a:srgbClr val="000000"/>
                     </a:solidFill>
@@ -10160,7 +10167,7 @@
               </a:ln>
               <a:extLst>
                 <a:ext uri="{91240B29-F687-4f45-9708-019B960494DF}">
-                  <a14:hiddenLine xmlns:a14="http://schemas.microsoft.com/office/drawing/2010/main" xmlns="" w="9525">
+                  <a14:hiddenLine xmlns="" xmlns:a14="http://schemas.microsoft.com/office/drawing/2010/main" w="9525">
                     <a:solidFill>
                       <a:srgbClr val="000000"/>
                     </a:solidFill>
@@ -10194,7 +10201,7 @@
               </a:ln>
               <a:extLst>
                 <a:ext uri="{91240B29-F687-4f45-9708-019B960494DF}">
-                  <a14:hiddenLine xmlns:a14="http://schemas.microsoft.com/office/drawing/2010/main" xmlns="" w="9525">
+                  <a14:hiddenLine xmlns="" xmlns:a14="http://schemas.microsoft.com/office/drawing/2010/main" w="9525">
                     <a:solidFill>
                       <a:srgbClr val="000000"/>
                     </a:solidFill>
@@ -10259,7 +10266,7 @@
               </a:ln>
               <a:extLst>
                 <a:ext uri="{91240B29-F687-4f45-9708-019B960494DF}">
-                  <a14:hiddenLine xmlns:a14="http://schemas.microsoft.com/office/drawing/2010/main" xmlns="" w="9525">
+                  <a14:hiddenLine xmlns="" xmlns:a14="http://schemas.microsoft.com/office/drawing/2010/main" w="9525">
                     <a:solidFill>
                       <a:srgbClr val="000000"/>
                     </a:solidFill>
@@ -10349,7 +10356,7 @@
               </a:ln>
               <a:extLst>
                 <a:ext uri="{91240B29-F687-4f45-9708-019B960494DF}">
-                  <a14:hiddenLine xmlns:a14="http://schemas.microsoft.com/office/drawing/2010/main" xmlns="" w="9525">
+                  <a14:hiddenLine xmlns="" xmlns:a14="http://schemas.microsoft.com/office/drawing/2010/main" w="9525">
                     <a:solidFill>
                       <a:srgbClr val="000000"/>
                     </a:solidFill>
@@ -10411,7 +10418,7 @@
               </a:ln>
               <a:extLst>
                 <a:ext uri="{91240B29-F687-4f45-9708-019B960494DF}">
-                  <a14:hiddenLine xmlns:a14="http://schemas.microsoft.com/office/drawing/2010/main" xmlns="" w="9525">
+                  <a14:hiddenLine xmlns="" xmlns:a14="http://schemas.microsoft.com/office/drawing/2010/main" w="9525">
                     <a:solidFill>
                       <a:srgbClr val="000000"/>
                     </a:solidFill>
@@ -10501,7 +10508,7 @@
               </a:ln>
               <a:extLst>
                 <a:ext uri="{91240B29-F687-4f45-9708-019B960494DF}">
-                  <a14:hiddenLine xmlns:a14="http://schemas.microsoft.com/office/drawing/2010/main" xmlns="" w="9525">
+                  <a14:hiddenLine xmlns="" xmlns:a14="http://schemas.microsoft.com/office/drawing/2010/main" w="9525">
                     <a:solidFill>
                       <a:srgbClr val="000000"/>
                     </a:solidFill>
@@ -10566,7 +10573,7 @@
               </a:ln>
               <a:extLst>
                 <a:ext uri="{91240B29-F687-4f45-9708-019B960494DF}">
-                  <a14:hiddenLine xmlns:a14="http://schemas.microsoft.com/office/drawing/2010/main" xmlns="" w="9525">
+                  <a14:hiddenLine xmlns="" xmlns:a14="http://schemas.microsoft.com/office/drawing/2010/main" w="9525">
                     <a:solidFill>
                       <a:srgbClr val="000000"/>
                     </a:solidFill>
@@ -10628,7 +10635,7 @@
               </a:ln>
               <a:extLst>
                 <a:ext uri="{91240B29-F687-4f45-9708-019B960494DF}">
-                  <a14:hiddenLine xmlns:a14="http://schemas.microsoft.com/office/drawing/2010/main" xmlns="" w="9525">
+                  <a14:hiddenLine xmlns="" xmlns:a14="http://schemas.microsoft.com/office/drawing/2010/main" w="9525">
                     <a:solidFill>
                       <a:srgbClr val="000000"/>
                     </a:solidFill>
@@ -10718,7 +10725,7 @@
               </a:ln>
               <a:extLst>
                 <a:ext uri="{91240B29-F687-4f45-9708-019B960494DF}">
-                  <a14:hiddenLine xmlns:a14="http://schemas.microsoft.com/office/drawing/2010/main" xmlns="" w="9525">
+                  <a14:hiddenLine xmlns="" xmlns:a14="http://schemas.microsoft.com/office/drawing/2010/main" w="9525">
                     <a:solidFill>
                       <a:srgbClr val="000000"/>
                     </a:solidFill>
@@ -10808,7 +10815,7 @@
               </a:ln>
               <a:extLst>
                 <a:ext uri="{91240B29-F687-4f45-9708-019B960494DF}">
-                  <a14:hiddenLine xmlns:a14="http://schemas.microsoft.com/office/drawing/2010/main" xmlns="" w="9525">
+                  <a14:hiddenLine xmlns="" xmlns:a14="http://schemas.microsoft.com/office/drawing/2010/main" w="9525">
                     <a:solidFill>
                       <a:srgbClr val="000000"/>
                     </a:solidFill>
@@ -10873,7 +10880,7 @@
               </a:ln>
               <a:extLst>
                 <a:ext uri="{91240B29-F687-4f45-9708-019B960494DF}">
-                  <a14:hiddenLine xmlns:a14="http://schemas.microsoft.com/office/drawing/2010/main" xmlns="" w="9525">
+                  <a14:hiddenLine xmlns="" xmlns:a14="http://schemas.microsoft.com/office/drawing/2010/main" w="9525">
                     <a:solidFill>
                       <a:srgbClr val="000000"/>
                     </a:solidFill>
@@ -10993,7 +11000,7 @@
               </a:ln>
               <a:extLst>
                 <a:ext uri="{91240B29-F687-4f45-9708-019B960494DF}">
-                  <a14:hiddenLine xmlns:a14="http://schemas.microsoft.com/office/drawing/2010/main" xmlns="" w="9525">
+                  <a14:hiddenLine xmlns="" xmlns:a14="http://schemas.microsoft.com/office/drawing/2010/main" w="9525">
                     <a:solidFill>
                       <a:srgbClr val="000000"/>
                     </a:solidFill>
@@ -11091,7 +11098,7 @@
               </a:ln>
               <a:extLst>
                 <a:ext uri="{91240B29-F687-4f45-9708-019B960494DF}">
-                  <a14:hiddenLine xmlns:a14="http://schemas.microsoft.com/office/drawing/2010/main" xmlns="" w="9525">
+                  <a14:hiddenLine xmlns="" xmlns:a14="http://schemas.microsoft.com/office/drawing/2010/main" w="9525">
                     <a:solidFill>
                       <a:srgbClr val="000000"/>
                     </a:solidFill>
@@ -11206,7 +11213,7 @@
               </a:ln>
               <a:extLst>
                 <a:ext uri="{91240B29-F687-4f45-9708-019B960494DF}">
-                  <a14:hiddenLine xmlns:a14="http://schemas.microsoft.com/office/drawing/2010/main" xmlns="" w="9525">
+                  <a14:hiddenLine xmlns="" xmlns:a14="http://schemas.microsoft.com/office/drawing/2010/main" w="9525">
                     <a:solidFill>
                       <a:srgbClr val="000000"/>
                     </a:solidFill>
@@ -11296,7 +11303,7 @@
               </a:ln>
               <a:extLst>
                 <a:ext uri="{91240B29-F687-4f45-9708-019B960494DF}">
-                  <a14:hiddenLine xmlns:a14="http://schemas.microsoft.com/office/drawing/2010/main" xmlns="" w="9525">
+                  <a14:hiddenLine xmlns="" xmlns:a14="http://schemas.microsoft.com/office/drawing/2010/main" w="9525">
                     <a:solidFill>
                       <a:srgbClr val="000000"/>
                     </a:solidFill>
@@ -11361,7 +11368,7 @@
               </a:ln>
               <a:extLst>
                 <a:ext uri="{91240B29-F687-4f45-9708-019B960494DF}">
-                  <a14:hiddenLine xmlns:a14="http://schemas.microsoft.com/office/drawing/2010/main" xmlns="" w="9525">
+                  <a14:hiddenLine xmlns="" xmlns:a14="http://schemas.microsoft.com/office/drawing/2010/main" w="9525">
                     <a:solidFill>
                       <a:srgbClr val="000000"/>
                     </a:solidFill>
@@ -11451,7 +11458,7 @@
               </a:ln>
               <a:extLst>
                 <a:ext uri="{91240B29-F687-4f45-9708-019B960494DF}">
-                  <a14:hiddenLine xmlns:a14="http://schemas.microsoft.com/office/drawing/2010/main" xmlns="" w="9525">
+                  <a14:hiddenLine xmlns="" xmlns:a14="http://schemas.microsoft.com/office/drawing/2010/main" w="9525">
                     <a:solidFill>
                       <a:srgbClr val="000000"/>
                     </a:solidFill>
@@ -11519,7 +11526,7 @@
               </a:ln>
               <a:extLst>
                 <a:ext uri="{91240B29-F687-4f45-9708-019B960494DF}">
-                  <a14:hiddenLine xmlns:a14="http://schemas.microsoft.com/office/drawing/2010/main" xmlns="" w="9525">
+                  <a14:hiddenLine xmlns="" xmlns:a14="http://schemas.microsoft.com/office/drawing/2010/main" w="9525">
                     <a:solidFill>
                       <a:srgbClr val="000000"/>
                     </a:solidFill>
@@ -11609,7 +11616,7 @@
               </a:ln>
               <a:extLst>
                 <a:ext uri="{91240B29-F687-4f45-9708-019B960494DF}">
-                  <a14:hiddenLine xmlns:a14="http://schemas.microsoft.com/office/drawing/2010/main" xmlns="" w="9525">
+                  <a14:hiddenLine xmlns="" xmlns:a14="http://schemas.microsoft.com/office/drawing/2010/main" w="9525">
                     <a:solidFill>
                       <a:srgbClr val="000000"/>
                     </a:solidFill>
@@ -11677,7 +11684,7 @@
               </a:ln>
               <a:extLst>
                 <a:ext uri="{91240B29-F687-4f45-9708-019B960494DF}">
-                  <a14:hiddenLine xmlns:a14="http://schemas.microsoft.com/office/drawing/2010/main" xmlns="" w="9525">
+                  <a14:hiddenLine xmlns="" xmlns:a14="http://schemas.microsoft.com/office/drawing/2010/main" w="9525">
                     <a:solidFill>
                       <a:srgbClr val="000000"/>
                     </a:solidFill>
@@ -11767,7 +11774,7 @@
               </a:ln>
               <a:extLst>
                 <a:ext uri="{91240B29-F687-4f45-9708-019B960494DF}">
-                  <a14:hiddenLine xmlns:a14="http://schemas.microsoft.com/office/drawing/2010/main" xmlns="" w="9525">
+                  <a14:hiddenLine xmlns="" xmlns:a14="http://schemas.microsoft.com/office/drawing/2010/main" w="9525">
                     <a:solidFill>
                       <a:srgbClr val="000000"/>
                     </a:solidFill>
@@ -11801,7 +11808,7 @@
               </a:ln>
               <a:extLst>
                 <a:ext uri="{91240B29-F687-4f45-9708-019B960494DF}">
-                  <a14:hiddenLine xmlns:a14="http://schemas.microsoft.com/office/drawing/2010/main" xmlns="" w="9525">
+                  <a14:hiddenLine xmlns="" xmlns:a14="http://schemas.microsoft.com/office/drawing/2010/main" w="9525">
                     <a:solidFill>
                       <a:srgbClr val="000000"/>
                     </a:solidFill>
@@ -11942,7 +11949,7 @@
             <a:fld id="{48A87A34-81AB-432B-8DAE-1953F412C126}" type="datetimeFigureOut">
               <a:rPr lang="en-US" dirty="0"/>
               <a:pPr/>
-              <a:t>4/23/19</a:t>
+              <a:t>4/24/19</a:t>
             </a:fld>
             <a:endParaRPr lang="en-US" dirty="0"/>
           </a:p>
@@ -12461,7 +12468,7 @@
           <p:cNvPr id="2" name="Title 1">
             <a:extLst>
               <a:ext uri="{FF2B5EF4-FFF2-40B4-BE49-F238E27FC236}">
-                <a16:creationId xmlns:a16="http://schemas.microsoft.com/office/drawing/2014/main" id="{3AA4EE82-89B0-0847-8A03-493F16768331}"/>
+                <a16:creationId xmlns:a16="http://schemas.microsoft.com/office/drawing/2014/main" id="{85EE84D4-245F-454D-9190-F5F3072B26DD}"/>
               </a:ext>
             </a:extLst>
           </p:cNvPr>
@@ -12479,13 +12486,8 @@
           <a:p>
             <a:r>
               <a:rPr lang="en-US" dirty="0"/>
-              <a:t>Evaluating performance | </a:t>
-            </a:r>
-            <a:r>
-              <a:rPr lang="en-US" dirty="0" err="1"/>
-              <a:t>FaceModule</a:t>
-            </a:r>
-            <a:endParaRPr lang="en-US" dirty="0"/>
+              <a:t>Facemodule4</a:t>
+            </a:r>
           </a:p>
         </p:txBody>
       </p:sp>
@@ -12494,7 +12496,7 @@
           <p:cNvPr id="5" name="Content Placeholder 4">
             <a:extLst>
               <a:ext uri="{FF2B5EF4-FFF2-40B4-BE49-F238E27FC236}">
-                <a16:creationId xmlns:a16="http://schemas.microsoft.com/office/drawing/2014/main" id="{9397737D-9ABD-4C4A-B65E-68EB766B79B8}"/>
+                <a16:creationId xmlns:a16="http://schemas.microsoft.com/office/drawing/2014/main" id="{06306C58-9106-684D-A1CD-0C8911CD00B2}"/>
               </a:ext>
             </a:extLst>
           </p:cNvPr>
@@ -12513,120 +12515,15 @@
         </p:blipFill>
         <p:spPr>
           <a:xfrm>
-            <a:off x="1141413" y="1918494"/>
-            <a:ext cx="3060700" cy="3098006"/>
+            <a:off x="2365461" y="1810873"/>
+            <a:ext cx="7461077" cy="3916827"/>
           </a:xfrm>
         </p:spPr>
       </p:pic>
-      <p:pic>
-        <p:nvPicPr>
-          <p:cNvPr id="7" name="Picture 6">
-            <a:extLst>
-              <a:ext uri="{FF2B5EF4-FFF2-40B4-BE49-F238E27FC236}">
-                <a16:creationId xmlns:a16="http://schemas.microsoft.com/office/drawing/2014/main" id="{5681FED2-1DC1-C842-B18E-1A4381149BB1}"/>
-              </a:ext>
-            </a:extLst>
-          </p:cNvPr>
-          <p:cNvPicPr>
-            <a:picLocks noChangeAspect="1"/>
-          </p:cNvPicPr>
-          <p:nvPr/>
-        </p:nvPicPr>
-        <p:blipFill>
-          <a:blip r:embed="rId3"/>
-          <a:stretch>
-            <a:fillRect/>
-          </a:stretch>
-        </p:blipFill>
-        <p:spPr>
-          <a:xfrm>
-            <a:off x="4077415" y="1918494"/>
-            <a:ext cx="4140062" cy="3098006"/>
-          </a:xfrm>
-          <a:prstGeom prst="rect">
-            <a:avLst/>
-          </a:prstGeom>
-        </p:spPr>
-      </p:pic>
-      <p:pic>
-        <p:nvPicPr>
-          <p:cNvPr id="9" name="Picture 8">
-            <a:extLst>
-              <a:ext uri="{FF2B5EF4-FFF2-40B4-BE49-F238E27FC236}">
-                <a16:creationId xmlns:a16="http://schemas.microsoft.com/office/drawing/2014/main" id="{9F7DB8AB-8185-2541-8BA9-CFE168B098BD}"/>
-              </a:ext>
-            </a:extLst>
-          </p:cNvPr>
-          <p:cNvPicPr>
-            <a:picLocks noChangeAspect="1"/>
-          </p:cNvPicPr>
-          <p:nvPr/>
-        </p:nvPicPr>
-        <p:blipFill>
-          <a:blip r:embed="rId4"/>
-          <a:stretch>
-            <a:fillRect/>
-          </a:stretch>
-        </p:blipFill>
-        <p:spPr>
-          <a:xfrm>
-            <a:off x="8217477" y="1912540"/>
-            <a:ext cx="3630083" cy="3098005"/>
-          </a:xfrm>
-          <a:prstGeom prst="rect">
-            <a:avLst/>
-          </a:prstGeom>
-        </p:spPr>
-      </p:pic>
-      <p:sp>
-        <p:nvSpPr>
-          <p:cNvPr id="11" name="TextBox 10">
-            <a:extLst>
-              <a:ext uri="{FF2B5EF4-FFF2-40B4-BE49-F238E27FC236}">
-                <a16:creationId xmlns:a16="http://schemas.microsoft.com/office/drawing/2014/main" id="{A631A0C3-391C-6343-8934-F2D9655341A4}"/>
-              </a:ext>
-            </a:extLst>
-          </p:cNvPr>
-          <p:cNvSpPr txBox="1"/>
-          <p:nvPr/>
-        </p:nvSpPr>
-        <p:spPr>
-          <a:xfrm>
-            <a:off x="3173412" y="5270500"/>
-            <a:ext cx="5842000" cy="1200329"/>
-          </a:xfrm>
-          <a:prstGeom prst="rect">
-            <a:avLst/>
-          </a:prstGeom>
-          <a:noFill/>
-        </p:spPr>
-        <p:txBody>
-          <a:bodyPr wrap="square" rtlCol="0">
-            <a:spAutoFit/>
-          </a:bodyPr>
-          <a:lstStyle/>
-          <a:p>
-            <a:pPr algn="ctr"/>
-            <a:r>
-              <a:rPr lang="en-US" i="1" dirty="0" err="1"/>
-              <a:t>FaceModule</a:t>
-            </a:r>
-            <a:r>
-              <a:rPr lang="en-US" i="1" dirty="0"/>
-              <a:t>, the initial network consisted of one convolutional layer (with one dropout layer), and two fully connected layers.  Overall performance was at 33% Accuracy. </a:t>
-            </a:r>
-            <a:endParaRPr lang="en-US" dirty="0"/>
-          </a:p>
-          <a:p>
-            <a:pPr algn="ctr"/>
-            <a:endParaRPr lang="en-US" dirty="0"/>
-          </a:p>
-        </p:txBody>
-      </p:sp>
     </p:spTree>
     <p:extLst>
       <p:ext uri="{BB962C8B-B14F-4D97-AF65-F5344CB8AC3E}">
-        <p14:creationId xmlns:p14="http://schemas.microsoft.com/office/powerpoint/2010/main" val="46682166"/>
+        <p14:creationId xmlns:p14="http://schemas.microsoft.com/office/powerpoint/2010/main" val="547435029"/>
       </p:ext>
     </p:extLst>
   </p:cSld>
@@ -12669,15 +12566,25 @@
             <p:ph type="title"/>
           </p:nvPr>
         </p:nvSpPr>
-        <p:spPr/>
+        <p:spPr>
+          <a:xfrm>
+            <a:off x="1143001" y="-100562"/>
+            <a:ext cx="9905998" cy="1478570"/>
+          </a:xfrm>
+        </p:spPr>
         <p:txBody>
           <a:bodyPr/>
           <a:lstStyle/>
           <a:p>
             <a:r>
               <a:rPr lang="en-US" dirty="0"/>
-              <a:t>Evaluating performance | FaceModule2</a:t>
-            </a:r>
+              <a:t>Evaluating performance | </a:t>
+            </a:r>
+            <a:r>
+              <a:rPr lang="en-US" dirty="0" err="1"/>
+              <a:t>FaceModule</a:t>
+            </a:r>
+            <a:endParaRPr lang="en-US" dirty="0"/>
           </a:p>
         </p:txBody>
       </p:sp>
@@ -12705,39 +12612,9 @@
         </p:blipFill>
         <p:spPr>
           <a:xfrm>
-            <a:off x="1016715" y="1954424"/>
-            <a:ext cx="3060700" cy="3026140"/>
+            <a:off x="9423200" y="5029754"/>
+            <a:ext cx="1496448" cy="1514688"/>
           </a:xfrm>
-        </p:spPr>
-      </p:pic>
-      <p:pic>
-        <p:nvPicPr>
-          <p:cNvPr id="7" name="Picture 6">
-            <a:extLst>
-              <a:ext uri="{FF2B5EF4-FFF2-40B4-BE49-F238E27FC236}">
-                <a16:creationId xmlns:a16="http://schemas.microsoft.com/office/drawing/2014/main" id="{5681FED2-1DC1-C842-B18E-1A4381149BB1}"/>
-              </a:ext>
-            </a:extLst>
-          </p:cNvPr>
-          <p:cNvPicPr>
-            <a:picLocks noChangeAspect="1"/>
-          </p:cNvPicPr>
-          <p:nvPr/>
-        </p:nvPicPr>
-        <p:blipFill>
-          <a:blip r:embed="rId3"/>
-          <a:stretch>
-            <a:fillRect/>
-          </a:stretch>
-        </p:blipFill>
-        <p:spPr>
-          <a:xfrm>
-            <a:off x="4077415" y="1954425"/>
-            <a:ext cx="4140062" cy="3026143"/>
-          </a:xfrm>
-          <a:prstGeom prst="rect">
-            <a:avLst/>
-          </a:prstGeom>
         </p:spPr>
       </p:pic>
       <p:pic>
@@ -12755,15 +12632,15 @@
           <p:nvPr/>
         </p:nvPicPr>
         <p:blipFill>
-          <a:blip r:embed="rId4"/>
+          <a:blip r:embed="rId3"/>
           <a:stretch>
             <a:fillRect/>
           </a:stretch>
         </p:blipFill>
         <p:spPr>
           <a:xfrm>
-            <a:off x="8217477" y="1954424"/>
-            <a:ext cx="3438525" cy="3026141"/>
+            <a:off x="8724269" y="1035215"/>
+            <a:ext cx="3273789" cy="2793935"/>
           </a:xfrm>
           <a:prstGeom prst="rect">
             <a:avLst/>
@@ -12772,10 +12649,10 @@
       </p:pic>
       <p:sp>
         <p:nvSpPr>
-          <p:cNvPr id="6" name="TextBox 5">
+          <p:cNvPr id="11" name="TextBox 10">
             <a:extLst>
               <a:ext uri="{FF2B5EF4-FFF2-40B4-BE49-F238E27FC236}">
-                <a16:creationId xmlns:a16="http://schemas.microsoft.com/office/drawing/2014/main" id="{840D66E3-4D56-DD47-A3A0-0B14536F18FB}"/>
+                <a16:creationId xmlns:a16="http://schemas.microsoft.com/office/drawing/2014/main" id="{A631A0C3-391C-6343-8934-F2D9655341A4}"/>
               </a:ext>
             </a:extLst>
           </p:cNvPr>
@@ -12784,8 +12661,8 @@
         </p:nvSpPr>
         <p:spPr>
           <a:xfrm>
-            <a:off x="3173412" y="5270500"/>
-            <a:ext cx="5842000" cy="923330"/>
+            <a:off x="2681111" y="5725404"/>
+            <a:ext cx="5842000" cy="1200329"/>
           </a:xfrm>
           <a:prstGeom prst="rect">
             <a:avLst/>
@@ -12800,17 +12677,14 @@
           <a:p>
             <a:pPr algn="ctr"/>
             <a:r>
-              <a:rPr lang="en-US" dirty="0"/>
-              <a:t>For </a:t>
-            </a:r>
-            <a:r>
-              <a:rPr lang="en-US" dirty="0" err="1"/>
+              <a:rPr lang="en-US" i="1" dirty="0" err="1"/>
               <a:t>FaceModule</a:t>
             </a:r>
             <a:r>
-              <a:rPr lang="en-US" dirty="0"/>
-              <a:t> 2, an additional convolutional layer was added. This actually decreased overall accuracy to 3%.</a:t>
-            </a:r>
+              <a:rPr lang="en-US" i="1" dirty="0"/>
+              <a:t>, the initial network consisted of one convolutional layer (with one dropout layer), and two fully connected layers.  Overall performance was at 30% Accuracy. </a:t>
+            </a:r>
+            <a:endParaRPr lang="en-US" dirty="0"/>
           </a:p>
           <a:p>
             <a:pPr algn="ctr"/>
@@ -12818,10 +12692,38 @@
           </a:p>
         </p:txBody>
       </p:sp>
+      <p:pic>
+        <p:nvPicPr>
+          <p:cNvPr id="8" name="Picture 7">
+            <a:extLst>
+              <a:ext uri="{FF2B5EF4-FFF2-40B4-BE49-F238E27FC236}">
+                <a16:creationId xmlns:a16="http://schemas.microsoft.com/office/drawing/2014/main" id="{85D29E4B-7541-5748-ADCD-8A20D6D7E32F}"/>
+              </a:ext>
+            </a:extLst>
+          </p:cNvPr>
+          <p:cNvPicPr/>
+          <p:nvPr/>
+        </p:nvPicPr>
+        <p:blipFill>
+          <a:blip r:embed="rId4"/>
+          <a:stretch>
+            <a:fillRect/>
+          </a:stretch>
+        </p:blipFill>
+        <p:spPr>
+          <a:xfrm>
+            <a:off x="861322" y="1035215"/>
+            <a:ext cx="7862947" cy="4541496"/>
+          </a:xfrm>
+          <a:prstGeom prst="rect">
+            <a:avLst/>
+          </a:prstGeom>
+        </p:spPr>
+      </p:pic>
     </p:spTree>
     <p:extLst>
       <p:ext uri="{BB962C8B-B14F-4D97-AF65-F5344CB8AC3E}">
-        <p14:creationId xmlns:p14="http://schemas.microsoft.com/office/powerpoint/2010/main" val="3791868113"/>
+        <p14:creationId xmlns:p14="http://schemas.microsoft.com/office/powerpoint/2010/main" val="46682166"/>
       </p:ext>
     </p:extLst>
   </p:cSld>
@@ -12864,14 +12766,19 @@
             <p:ph type="title"/>
           </p:nvPr>
         </p:nvSpPr>
-        <p:spPr/>
+        <p:spPr>
+          <a:xfrm>
+            <a:off x="1141413" y="146743"/>
+            <a:ext cx="9905998" cy="1478570"/>
+          </a:xfrm>
+        </p:spPr>
         <p:txBody>
           <a:bodyPr/>
           <a:lstStyle/>
           <a:p>
             <a:r>
               <a:rPr lang="en-US" dirty="0"/>
-              <a:t>Evaluating performance | FaceModule3</a:t>
+              <a:t>Evaluating performance | FaceModule2</a:t>
             </a:r>
           </a:p>
         </p:txBody>
@@ -12900,39 +12807,9 @@
         </p:blipFill>
         <p:spPr>
           <a:xfrm>
-            <a:off x="913823" y="1689417"/>
-            <a:ext cx="3060700" cy="3479164"/>
+            <a:off x="9613587" y="5011528"/>
+            <a:ext cx="1741963" cy="1722294"/>
           </a:xfrm>
-        </p:spPr>
-      </p:pic>
-      <p:pic>
-        <p:nvPicPr>
-          <p:cNvPr id="7" name="Picture 6">
-            <a:extLst>
-              <a:ext uri="{FF2B5EF4-FFF2-40B4-BE49-F238E27FC236}">
-                <a16:creationId xmlns:a16="http://schemas.microsoft.com/office/drawing/2014/main" id="{5681FED2-1DC1-C842-B18E-1A4381149BB1}"/>
-              </a:ext>
-            </a:extLst>
-          </p:cNvPr>
-          <p:cNvPicPr>
-            <a:picLocks noChangeAspect="1"/>
-          </p:cNvPicPr>
-          <p:nvPr/>
-        </p:nvPicPr>
-        <p:blipFill>
-          <a:blip r:embed="rId3"/>
-          <a:stretch>
-            <a:fillRect/>
-          </a:stretch>
-        </p:blipFill>
-        <p:spPr>
-          <a:xfrm>
-            <a:off x="4217134" y="1954425"/>
-            <a:ext cx="3860624" cy="3026143"/>
-          </a:xfrm>
-          <a:prstGeom prst="rect">
-            <a:avLst/>
-          </a:prstGeom>
         </p:spPr>
       </p:pic>
       <p:pic>
@@ -12950,49 +12827,15 @@
           <p:nvPr/>
         </p:nvPicPr>
         <p:blipFill>
-          <a:blip r:embed="rId4"/>
+          <a:blip r:embed="rId3"/>
           <a:stretch>
             <a:fillRect/>
           </a:stretch>
         </p:blipFill>
         <p:spPr>
           <a:xfrm>
-            <a:off x="8217477" y="1689417"/>
-            <a:ext cx="3438525" cy="3479164"/>
-          </a:xfrm>
-          <a:prstGeom prst="rect">
-            <a:avLst/>
-          </a:prstGeom>
-        </p:spPr>
-      </p:pic>
-      <p:pic>
-        <p:nvPicPr>
-          <p:cNvPr id="6" name="Picture 5">
-            <a:extLst>
-              <a:ext uri="{FF2B5EF4-FFF2-40B4-BE49-F238E27FC236}">
-                <a16:creationId xmlns:a16="http://schemas.microsoft.com/office/drawing/2014/main" id="{084DC114-64C7-B745-9E5F-9B5236FFC99C}"/>
-              </a:ext>
-            </a:extLst>
-          </p:cNvPr>
-          <p:cNvPicPr/>
-          <p:nvPr/>
-        </p:nvPicPr>
-        <p:blipFill>
-          <a:blip r:embed="rId5">
-            <a:extLst>
-              <a:ext uri="{28A0092B-C50C-407E-A947-70E740481C1C}">
-                <a14:useLocalDpi xmlns:a14="http://schemas.microsoft.com/office/drawing/2010/main" val="0"/>
-              </a:ext>
-            </a:extLst>
-          </a:blip>
-          <a:stretch>
-            <a:fillRect/>
-          </a:stretch>
-        </p:blipFill>
-        <p:spPr>
-          <a:xfrm>
-            <a:off x="3974523" y="1689417"/>
-            <a:ext cx="4453831" cy="3479165"/>
+            <a:off x="8863884" y="1846472"/>
+            <a:ext cx="3187229" cy="2804983"/>
           </a:xfrm>
           <a:prstGeom prst="rect">
             <a:avLst/>
@@ -13001,10 +12844,10 @@
       </p:pic>
       <p:sp>
         <p:nvSpPr>
-          <p:cNvPr id="8" name="TextBox 7">
+          <p:cNvPr id="6" name="TextBox 5">
             <a:extLst>
               <a:ext uri="{FF2B5EF4-FFF2-40B4-BE49-F238E27FC236}">
-                <a16:creationId xmlns:a16="http://schemas.microsoft.com/office/drawing/2014/main" id="{64031E29-02EC-2343-826A-DD5B74FD41A7}"/>
+                <a16:creationId xmlns:a16="http://schemas.microsoft.com/office/drawing/2014/main" id="{840D66E3-4D56-DD47-A3A0-0B14536F18FB}"/>
               </a:ext>
             </a:extLst>
           </p:cNvPr>
@@ -13013,8 +12856,8 @@
         </p:nvSpPr>
         <p:spPr>
           <a:xfrm>
-            <a:off x="3173412" y="5270500"/>
-            <a:ext cx="5842000" cy="923330"/>
+            <a:off x="3173412" y="5658251"/>
+            <a:ext cx="5842000" cy="1200329"/>
           </a:xfrm>
           <a:prstGeom prst="rect">
             <a:avLst/>
@@ -13027,10 +12870,17 @@
           </a:bodyPr>
           <a:lstStyle/>
           <a:p>
-            <a:pPr algn="ctr"/>
             <a:r>
               <a:rPr lang="en-US" dirty="0"/>
-              <a:t>In FaceModule3, a Batch Normalization layer was added. This significantly improved performance, to 54%.</a:t>
+              <a:t>For </a:t>
+            </a:r>
+            <a:r>
+              <a:rPr lang="en-US" dirty="0" err="1"/>
+              <a:t>FaceModule</a:t>
+            </a:r>
+            <a:r>
+              <a:rPr lang="en-US" dirty="0"/>
+              <a:t> 2, an additional convolutional layer was added, and the out-channels were increased from 16 to 32. Overall accuracy increased to 45%.</a:t>
             </a:r>
           </a:p>
           <a:p>
@@ -13039,10 +12889,38 @@
           </a:p>
         </p:txBody>
       </p:sp>
+      <p:pic>
+        <p:nvPicPr>
+          <p:cNvPr id="8" name="Picture 7">
+            <a:extLst>
+              <a:ext uri="{FF2B5EF4-FFF2-40B4-BE49-F238E27FC236}">
+                <a16:creationId xmlns:a16="http://schemas.microsoft.com/office/drawing/2014/main" id="{7F1CABB3-CC87-E042-82C9-15DF6B291889}"/>
+              </a:ext>
+            </a:extLst>
+          </p:cNvPr>
+          <p:cNvPicPr/>
+          <p:nvPr/>
+        </p:nvPicPr>
+        <p:blipFill>
+          <a:blip r:embed="rId4"/>
+          <a:stretch>
+            <a:fillRect/>
+          </a:stretch>
+        </p:blipFill>
+        <p:spPr>
+          <a:xfrm>
+            <a:off x="922911" y="1121915"/>
+            <a:ext cx="7940973" cy="4536336"/>
+          </a:xfrm>
+          <a:prstGeom prst="rect">
+            <a:avLst/>
+          </a:prstGeom>
+        </p:spPr>
+      </p:pic>
     </p:spTree>
     <p:extLst>
       <p:ext uri="{BB962C8B-B14F-4D97-AF65-F5344CB8AC3E}">
-        <p14:creationId xmlns:p14="http://schemas.microsoft.com/office/powerpoint/2010/main" val="2970034907"/>
+        <p14:creationId xmlns:p14="http://schemas.microsoft.com/office/powerpoint/2010/main" val="3791868113"/>
       </p:ext>
     </p:extLst>
   </p:cSld>
@@ -13085,14 +12963,19 @@
             <p:ph type="title"/>
           </p:nvPr>
         </p:nvSpPr>
-        <p:spPr/>
+        <p:spPr>
+          <a:xfrm>
+            <a:off x="1051102" y="-75115"/>
+            <a:ext cx="9905998" cy="1362067"/>
+          </a:xfrm>
+        </p:spPr>
         <p:txBody>
           <a:bodyPr/>
           <a:lstStyle/>
           <a:p>
             <a:r>
               <a:rPr lang="en-US" dirty="0"/>
-              <a:t>Evaluating performance | FaceModule4</a:t>
+              <a:t>Evaluating performance | FaceModule3</a:t>
             </a:r>
           </a:p>
         </p:txBody>
@@ -13121,39 +13004,9 @@
         </p:blipFill>
         <p:spPr>
           <a:xfrm>
-            <a:off x="913823" y="1782119"/>
-            <a:ext cx="3060700" cy="3293762"/>
+            <a:off x="9491762" y="4714876"/>
+            <a:ext cx="1769362" cy="2011272"/>
           </a:xfrm>
-        </p:spPr>
-      </p:pic>
-      <p:pic>
-        <p:nvPicPr>
-          <p:cNvPr id="7" name="Picture 6">
-            <a:extLst>
-              <a:ext uri="{FF2B5EF4-FFF2-40B4-BE49-F238E27FC236}">
-                <a16:creationId xmlns:a16="http://schemas.microsoft.com/office/drawing/2014/main" id="{5681FED2-1DC1-C842-B18E-1A4381149BB1}"/>
-              </a:ext>
-            </a:extLst>
-          </p:cNvPr>
-          <p:cNvPicPr>
-            <a:picLocks noChangeAspect="1"/>
-          </p:cNvPicPr>
-          <p:nvPr/>
-        </p:nvPicPr>
-        <p:blipFill>
-          <a:blip r:embed="rId3"/>
-          <a:stretch>
-            <a:fillRect/>
-          </a:stretch>
-        </p:blipFill>
-        <p:spPr>
-          <a:xfrm>
-            <a:off x="4217134" y="1954425"/>
-            <a:ext cx="3860624" cy="3026143"/>
-          </a:xfrm>
-          <a:prstGeom prst="rect">
-            <a:avLst/>
-          </a:prstGeom>
         </p:spPr>
       </p:pic>
       <p:pic>
@@ -13171,6 +13024,74 @@
           <p:nvPr/>
         </p:nvPicPr>
         <p:blipFill>
+          <a:blip r:embed="rId3"/>
+          <a:stretch>
+            <a:fillRect/>
+          </a:stretch>
+        </p:blipFill>
+        <p:spPr>
+          <a:xfrm>
+            <a:off x="9015411" y="983721"/>
+            <a:ext cx="3035616" cy="3071493"/>
+          </a:xfrm>
+          <a:prstGeom prst="rect">
+            <a:avLst/>
+          </a:prstGeom>
+        </p:spPr>
+      </p:pic>
+      <p:sp>
+        <p:nvSpPr>
+          <p:cNvPr id="8" name="TextBox 7">
+            <a:extLst>
+              <a:ext uri="{FF2B5EF4-FFF2-40B4-BE49-F238E27FC236}">
+                <a16:creationId xmlns:a16="http://schemas.microsoft.com/office/drawing/2014/main" id="{64031E29-02EC-2343-826A-DD5B74FD41A7}"/>
+              </a:ext>
+            </a:extLst>
+          </p:cNvPr>
+          <p:cNvSpPr txBox="1"/>
+          <p:nvPr/>
+        </p:nvSpPr>
+        <p:spPr>
+          <a:xfrm>
+            <a:off x="2868612" y="6049434"/>
+            <a:ext cx="5842000" cy="923330"/>
+          </a:xfrm>
+          <a:prstGeom prst="rect">
+            <a:avLst/>
+          </a:prstGeom>
+          <a:noFill/>
+        </p:spPr>
+        <p:txBody>
+          <a:bodyPr wrap="square" rtlCol="0">
+            <a:spAutoFit/>
+          </a:bodyPr>
+          <a:lstStyle/>
+          <a:p>
+            <a:pPr algn="ctr"/>
+            <a:r>
+              <a:rPr lang="en-US" dirty="0"/>
+              <a:t>In FaceModule3, a Batch Normalization layer was added. This significantly improved performance, to 57%.</a:t>
+            </a:r>
+          </a:p>
+          <a:p>
+            <a:pPr algn="ctr"/>
+            <a:endParaRPr lang="en-US" dirty="0"/>
+          </a:p>
+        </p:txBody>
+      </p:sp>
+      <p:pic>
+        <p:nvPicPr>
+          <p:cNvPr id="10" name="Picture 9">
+            <a:extLst>
+              <a:ext uri="{FF2B5EF4-FFF2-40B4-BE49-F238E27FC236}">
+                <a16:creationId xmlns:a16="http://schemas.microsoft.com/office/drawing/2014/main" id="{36B5F4C4-0599-1542-800C-00B1A5BCCF59}"/>
+              </a:ext>
+            </a:extLst>
+          </p:cNvPr>
+          <p:cNvPicPr/>
+          <p:nvPr/>
+        </p:nvPicPr>
+        <p:blipFill>
           <a:blip r:embed="rId4"/>
           <a:stretch>
             <a:fillRect/>
@@ -13178,36 +13099,101 @@
         </p:blipFill>
         <p:spPr>
           <a:xfrm>
-            <a:off x="8428354" y="1782118"/>
-            <a:ext cx="3438525" cy="3293763"/>
+            <a:off x="893444" y="983721"/>
+            <a:ext cx="8121967" cy="5065713"/>
           </a:xfrm>
           <a:prstGeom prst="rect">
             <a:avLst/>
           </a:prstGeom>
         </p:spPr>
       </p:pic>
-      <p:pic>
-        <p:nvPicPr>
-          <p:cNvPr id="6" name="Picture 5">
+    </p:spTree>
+    <p:extLst>
+      <p:ext uri="{BB962C8B-B14F-4D97-AF65-F5344CB8AC3E}">
+        <p14:creationId xmlns:p14="http://schemas.microsoft.com/office/powerpoint/2010/main" val="2970034907"/>
+      </p:ext>
+    </p:extLst>
+  </p:cSld>
+  <p:clrMapOvr>
+    <a:masterClrMapping/>
+  </p:clrMapOvr>
+</p:sld>
+</file>
+
+<file path=ppt/slides/slide14.xml><?xml version="1.0" encoding="utf-8"?>
+<p:sld xmlns:a="http://schemas.openxmlformats.org/drawingml/2006/main" xmlns:r="http://schemas.openxmlformats.org/officeDocument/2006/relationships" xmlns:p="http://schemas.openxmlformats.org/presentationml/2006/main">
+  <p:cSld>
+    <p:spTree>
+      <p:nvGrpSpPr>
+        <p:cNvPr id="1" name=""/>
+        <p:cNvGrpSpPr/>
+        <p:nvPr/>
+      </p:nvGrpSpPr>
+      <p:grpSpPr>
+        <a:xfrm>
+          <a:off x="0" y="0"/>
+          <a:ext cx="0" cy="0"/>
+          <a:chOff x="0" y="0"/>
+          <a:chExt cx="0" cy="0"/>
+        </a:xfrm>
+      </p:grpSpPr>
+      <p:sp>
+        <p:nvSpPr>
+          <p:cNvPr id="2" name="Title 1">
             <a:extLst>
               <a:ext uri="{FF2B5EF4-FFF2-40B4-BE49-F238E27FC236}">
-                <a16:creationId xmlns:a16="http://schemas.microsoft.com/office/drawing/2014/main" id="{084DC114-64C7-B745-9E5F-9B5236FFC99C}"/>
+                <a16:creationId xmlns:a16="http://schemas.microsoft.com/office/drawing/2014/main" id="{3AA4EE82-89B0-0847-8A03-493F16768331}"/>
               </a:ext>
             </a:extLst>
           </p:cNvPr>
-          <p:cNvPicPr/>
+          <p:cNvSpPr>
+            <a:spLocks noGrp="1"/>
+          </p:cNvSpPr>
+          <p:nvPr>
+            <p:ph type="title"/>
+          </p:nvPr>
+        </p:nvSpPr>
+        <p:spPr>
+          <a:xfrm>
+            <a:off x="983368" y="-132579"/>
+            <a:ext cx="9905998" cy="1159868"/>
+          </a:xfrm>
+        </p:spPr>
+        <p:txBody>
+          <a:bodyPr/>
+          <a:lstStyle/>
+          <a:p>
+            <a:r>
+              <a:rPr lang="en-US" dirty="0"/>
+              <a:t>Evaluating performance | FaceModule4</a:t>
+            </a:r>
+          </a:p>
+        </p:txBody>
+      </p:sp>
+      <p:pic>
+        <p:nvPicPr>
+          <p:cNvPr id="9" name="Picture 8">
+            <a:extLst>
+              <a:ext uri="{FF2B5EF4-FFF2-40B4-BE49-F238E27FC236}">
+                <a16:creationId xmlns:a16="http://schemas.microsoft.com/office/drawing/2014/main" id="{9F7DB8AB-8185-2541-8BA9-CFE168B098BD}"/>
+              </a:ext>
+            </a:extLst>
+          </p:cNvPr>
+          <p:cNvPicPr>
+            <a:picLocks noChangeAspect="1"/>
+          </p:cNvPicPr>
           <p:nvPr/>
         </p:nvPicPr>
         <p:blipFill>
-          <a:blip r:embed="rId5"/>
+          <a:blip r:embed="rId2"/>
           <a:stretch>
             <a:fillRect/>
           </a:stretch>
         </p:blipFill>
         <p:spPr>
           <a:xfrm>
-            <a:off x="3974523" y="1782118"/>
-            <a:ext cx="4453831" cy="3293763"/>
+            <a:off x="9379832" y="994303"/>
+            <a:ext cx="2399847" cy="2298814"/>
           </a:xfrm>
           <a:prstGeom prst="rect">
             <a:avLst/>
@@ -13228,7 +13214,7 @@
         </p:nvSpPr>
         <p:spPr>
           <a:xfrm>
-            <a:off x="3173412" y="5270500"/>
+            <a:off x="2812167" y="5934670"/>
             <a:ext cx="5842000" cy="923330"/>
           </a:xfrm>
           <a:prstGeom prst="rect">
@@ -13242,10 +13228,9 @@
           </a:bodyPr>
           <a:lstStyle/>
           <a:p>
-            <a:pPr algn="ctr"/>
             <a:r>
               <a:rPr lang="en-US" dirty="0"/>
-              <a:t>FaceModule4 leveraged three convolutional layers and four batch normalization layers, raising accuracy to 57%. </a:t>
+              <a:t>FaceModule4 leveraged three convolutional layers and four batch normalization layers, but accuracy remained at 57%. </a:t>
             </a:r>
           </a:p>
           <a:p>
@@ -13254,6 +13239,64 @@
           </a:p>
         </p:txBody>
       </p:sp>
+      <p:pic>
+        <p:nvPicPr>
+          <p:cNvPr id="10" name="Picture 9">
+            <a:extLst>
+              <a:ext uri="{FF2B5EF4-FFF2-40B4-BE49-F238E27FC236}">
+                <a16:creationId xmlns:a16="http://schemas.microsoft.com/office/drawing/2014/main" id="{A551D84B-4A02-9040-BF09-6C445CBA5F93}"/>
+              </a:ext>
+            </a:extLst>
+          </p:cNvPr>
+          <p:cNvPicPr/>
+          <p:nvPr/>
+        </p:nvPicPr>
+        <p:blipFill>
+          <a:blip r:embed="rId3"/>
+          <a:stretch>
+            <a:fillRect/>
+          </a:stretch>
+        </p:blipFill>
+        <p:spPr>
+          <a:xfrm>
+            <a:off x="983367" y="983842"/>
+            <a:ext cx="8396465" cy="4950828"/>
+          </a:xfrm>
+          <a:prstGeom prst="rect">
+            <a:avLst/>
+          </a:prstGeom>
+        </p:spPr>
+      </p:pic>
+      <p:pic>
+        <p:nvPicPr>
+          <p:cNvPr id="11" name="Content Placeholder 4">
+            <a:extLst>
+              <a:ext uri="{FF2B5EF4-FFF2-40B4-BE49-F238E27FC236}">
+                <a16:creationId xmlns:a16="http://schemas.microsoft.com/office/drawing/2014/main" id="{9923950D-C43A-9F45-9545-23F816B6B5CC}"/>
+              </a:ext>
+            </a:extLst>
+          </p:cNvPr>
+          <p:cNvPicPr>
+            <a:picLocks noChangeAspect="1"/>
+          </p:cNvPicPr>
+          <p:nvPr/>
+        </p:nvPicPr>
+        <p:blipFill>
+          <a:blip r:embed="rId4"/>
+          <a:stretch>
+            <a:fillRect/>
+          </a:stretch>
+        </p:blipFill>
+        <p:spPr>
+          <a:xfrm>
+            <a:off x="9840869" y="4606983"/>
+            <a:ext cx="1477772" cy="1590299"/>
+          </a:xfrm>
+          <a:prstGeom prst="rect">
+            <a:avLst/>
+          </a:prstGeom>
+        </p:spPr>
+      </p:pic>
     </p:spTree>
     <p:extLst>
       <p:ext uri="{BB962C8B-B14F-4D97-AF65-F5344CB8AC3E}">
@@ -13267,7 +13310,7 @@
 </p:sld>
 </file>
 
-<file path=ppt/slides/slide14.xml><?xml version="1.0" encoding="utf-8"?>
+<file path=ppt/slides/slide15.xml><?xml version="1.0" encoding="utf-8"?>
 <p:sld xmlns:a="http://schemas.openxmlformats.org/drawingml/2006/main" xmlns:r="http://schemas.openxmlformats.org/officeDocument/2006/relationships" xmlns:p="http://schemas.openxmlformats.org/presentationml/2006/main">
   <p:cSld>
     <p:spTree>
@@ -13326,7 +13369,7 @@
 </p:sld>
 </file>
 
-<file path=ppt/slides/slide15.xml><?xml version="1.0" encoding="utf-8"?>
+<file path=ppt/slides/slide16.xml><?xml version="1.0" encoding="utf-8"?>
 <p:sld xmlns:a="http://schemas.openxmlformats.org/drawingml/2006/main" xmlns:r="http://schemas.openxmlformats.org/officeDocument/2006/relationships" xmlns:p="http://schemas.openxmlformats.org/presentationml/2006/main">
   <p:cSld>
     <p:spTree>
@@ -13385,7 +13428,792 @@
 </p:sld>
 </file>
 
-<file path=ppt/slides/slide16.xml><?xml version="1.0" encoding="utf-8"?>
+<file path=ppt/slides/slide17.xml><?xml version="1.0" encoding="utf-8"?>
+<p:sld xmlns:a="http://schemas.openxmlformats.org/drawingml/2006/main" xmlns:r="http://schemas.openxmlformats.org/officeDocument/2006/relationships" xmlns:p="http://schemas.openxmlformats.org/presentationml/2006/main">
+  <p:cSld>
+    <p:spTree>
+      <p:nvGrpSpPr>
+        <p:cNvPr id="1" name=""/>
+        <p:cNvGrpSpPr/>
+        <p:nvPr/>
+      </p:nvGrpSpPr>
+      <p:grpSpPr>
+        <a:xfrm>
+          <a:off x="0" y="0"/>
+          <a:ext cx="0" cy="0"/>
+          <a:chOff x="0" y="0"/>
+          <a:chExt cx="0" cy="0"/>
+        </a:xfrm>
+      </p:grpSpPr>
+      <p:sp>
+        <p:nvSpPr>
+          <p:cNvPr id="2" name="Title 1">
+            <a:extLst>
+              <a:ext uri="{FF2B5EF4-FFF2-40B4-BE49-F238E27FC236}">
+                <a16:creationId xmlns:a16="http://schemas.microsoft.com/office/drawing/2014/main" id="{6E450460-207D-F647-B856-806F8DF2F970}"/>
+              </a:ext>
+            </a:extLst>
+          </p:cNvPr>
+          <p:cNvSpPr>
+            <a:spLocks noGrp="1"/>
+          </p:cNvSpPr>
+          <p:nvPr>
+            <p:ph type="title"/>
+          </p:nvPr>
+        </p:nvSpPr>
+        <p:spPr>
+          <a:xfrm>
+            <a:off x="2089679" y="0"/>
+            <a:ext cx="9905998" cy="1013695"/>
+          </a:xfrm>
+        </p:spPr>
+        <p:txBody>
+          <a:bodyPr/>
+          <a:lstStyle/>
+          <a:p>
+            <a:r>
+              <a:rPr lang="en-US" dirty="0"/>
+              <a:t>  Per Class Accuracy: Subject 1</a:t>
+            </a:r>
+          </a:p>
+        </p:txBody>
+      </p:sp>
+      <p:pic>
+        <p:nvPicPr>
+          <p:cNvPr id="19" name="Content Placeholder 18">
+            <a:extLst>
+              <a:ext uri="{FF2B5EF4-FFF2-40B4-BE49-F238E27FC236}">
+                <a16:creationId xmlns:a16="http://schemas.microsoft.com/office/drawing/2014/main" id="{92601D04-A728-5941-8D0E-3DFC5D66FDA9}"/>
+              </a:ext>
+            </a:extLst>
+          </p:cNvPr>
+          <p:cNvPicPr>
+            <a:picLocks noGrp="1" noChangeAspect="1"/>
+          </p:cNvPicPr>
+          <p:nvPr>
+            <p:ph idx="1"/>
+          </p:nvPr>
+        </p:nvPicPr>
+        <p:blipFill>
+          <a:blip r:embed="rId2"/>
+          <a:stretch>
+            <a:fillRect/>
+          </a:stretch>
+        </p:blipFill>
+        <p:spPr>
+          <a:xfrm>
+            <a:off x="1957983" y="813550"/>
+            <a:ext cx="2046287" cy="1553899"/>
+          </a:xfrm>
+        </p:spPr>
+      </p:pic>
+      <p:sp>
+        <p:nvSpPr>
+          <p:cNvPr id="21" name="TextBox 20">
+            <a:extLst>
+              <a:ext uri="{FF2B5EF4-FFF2-40B4-BE49-F238E27FC236}">
+                <a16:creationId xmlns:a16="http://schemas.microsoft.com/office/drawing/2014/main" id="{5166782A-AFCD-D54C-9E14-4DE3BF6BDA7D}"/>
+              </a:ext>
+            </a:extLst>
+          </p:cNvPr>
+          <p:cNvSpPr txBox="1"/>
+          <p:nvPr/>
+        </p:nvSpPr>
+        <p:spPr>
+          <a:xfrm>
+            <a:off x="2211300" y="2364070"/>
+            <a:ext cx="1778051" cy="369332"/>
+          </a:xfrm>
+          <a:prstGeom prst="rect">
+            <a:avLst/>
+          </a:prstGeom>
+          <a:noFill/>
+        </p:spPr>
+        <p:txBody>
+          <a:bodyPr wrap="none" rtlCol="0">
+            <a:spAutoFit/>
+          </a:bodyPr>
+          <a:lstStyle/>
+          <a:p>
+            <a:r>
+              <a:rPr lang="en-US" dirty="0"/>
+              <a:t>0. ‘Glasses’: 0.76</a:t>
+            </a:r>
+          </a:p>
+        </p:txBody>
+      </p:sp>
+      <p:pic>
+        <p:nvPicPr>
+          <p:cNvPr id="23" name="Picture 22">
+            <a:extLst>
+              <a:ext uri="{FF2B5EF4-FFF2-40B4-BE49-F238E27FC236}">
+                <a16:creationId xmlns:a16="http://schemas.microsoft.com/office/drawing/2014/main" id="{938EB02E-3C39-564B-86EA-494D63C1DF55}"/>
+              </a:ext>
+            </a:extLst>
+          </p:cNvPr>
+          <p:cNvPicPr>
+            <a:picLocks noChangeAspect="1"/>
+          </p:cNvPicPr>
+          <p:nvPr/>
+        </p:nvPicPr>
+        <p:blipFill>
+          <a:blip r:embed="rId3"/>
+          <a:stretch>
+            <a:fillRect/>
+          </a:stretch>
+        </p:blipFill>
+        <p:spPr>
+          <a:xfrm>
+            <a:off x="6377771" y="854046"/>
+            <a:ext cx="2032000" cy="1543050"/>
+          </a:xfrm>
+          <a:prstGeom prst="rect">
+            <a:avLst/>
+          </a:prstGeom>
+        </p:spPr>
+      </p:pic>
+      <p:pic>
+        <p:nvPicPr>
+          <p:cNvPr id="25" name="Picture 24">
+            <a:extLst>
+              <a:ext uri="{FF2B5EF4-FFF2-40B4-BE49-F238E27FC236}">
+                <a16:creationId xmlns:a16="http://schemas.microsoft.com/office/drawing/2014/main" id="{5BBAE37F-00CF-BF49-9AF6-222AECFBD56D}"/>
+              </a:ext>
+            </a:extLst>
+          </p:cNvPr>
+          <p:cNvPicPr>
+            <a:picLocks noChangeAspect="1"/>
+          </p:cNvPicPr>
+          <p:nvPr/>
+        </p:nvPicPr>
+        <p:blipFill>
+          <a:blip r:embed="rId4"/>
+          <a:stretch>
+            <a:fillRect/>
+          </a:stretch>
+        </p:blipFill>
+        <p:spPr>
+          <a:xfrm>
+            <a:off x="7708049" y="4696168"/>
+            <a:ext cx="2032000" cy="1543050"/>
+          </a:xfrm>
+          <a:prstGeom prst="rect">
+            <a:avLst/>
+          </a:prstGeom>
+        </p:spPr>
+      </p:pic>
+      <p:sp>
+        <p:nvSpPr>
+          <p:cNvPr id="26" name="TextBox 25">
+            <a:extLst>
+              <a:ext uri="{FF2B5EF4-FFF2-40B4-BE49-F238E27FC236}">
+                <a16:creationId xmlns:a16="http://schemas.microsoft.com/office/drawing/2014/main" id="{FFB72E0C-7286-544F-A3EA-F8B5E310B0F2}"/>
+              </a:ext>
+            </a:extLst>
+          </p:cNvPr>
+          <p:cNvSpPr txBox="1"/>
+          <p:nvPr/>
+        </p:nvSpPr>
+        <p:spPr>
+          <a:xfrm>
+            <a:off x="6305781" y="2359796"/>
+            <a:ext cx="1912703" cy="369332"/>
+          </a:xfrm>
+          <a:prstGeom prst="rect">
+            <a:avLst/>
+          </a:prstGeom>
+          <a:noFill/>
+        </p:spPr>
+        <p:txBody>
+          <a:bodyPr wrap="none" rtlCol="0">
+            <a:spAutoFit/>
+          </a:bodyPr>
+          <a:lstStyle/>
+          <a:p>
+            <a:r>
+              <a:rPr lang="en-US" dirty="0"/>
+              <a:t>2. ‘Left Light’: 1.00</a:t>
+            </a:r>
+          </a:p>
+        </p:txBody>
+      </p:sp>
+      <p:sp>
+        <p:nvSpPr>
+          <p:cNvPr id="27" name="TextBox 26">
+            <a:extLst>
+              <a:ext uri="{FF2B5EF4-FFF2-40B4-BE49-F238E27FC236}">
+                <a16:creationId xmlns:a16="http://schemas.microsoft.com/office/drawing/2014/main" id="{364559F3-DB4D-3547-929F-79851D61F243}"/>
+              </a:ext>
+            </a:extLst>
+          </p:cNvPr>
+          <p:cNvSpPr txBox="1"/>
+          <p:nvPr/>
+        </p:nvSpPr>
+        <p:spPr>
+          <a:xfrm>
+            <a:off x="7658016" y="6240227"/>
+            <a:ext cx="2238113" cy="369332"/>
+          </a:xfrm>
+          <a:prstGeom prst="rect">
+            <a:avLst/>
+          </a:prstGeom>
+          <a:noFill/>
+        </p:spPr>
+        <p:txBody>
+          <a:bodyPr wrap="none" rtlCol="0">
+            <a:spAutoFit/>
+          </a:bodyPr>
+          <a:lstStyle/>
+          <a:p>
+            <a:r>
+              <a:rPr lang="en-US" dirty="0"/>
+              <a:t>10. ‘No Glasses’: 0.62</a:t>
+            </a:r>
+          </a:p>
+        </p:txBody>
+      </p:sp>
+      <p:pic>
+        <p:nvPicPr>
+          <p:cNvPr id="29" name="Picture 28">
+            <a:extLst>
+              <a:ext uri="{FF2B5EF4-FFF2-40B4-BE49-F238E27FC236}">
+                <a16:creationId xmlns:a16="http://schemas.microsoft.com/office/drawing/2014/main" id="{305F5D65-656B-4740-9CD2-690D08C50B3F}"/>
+              </a:ext>
+            </a:extLst>
+          </p:cNvPr>
+          <p:cNvPicPr>
+            <a:picLocks noChangeAspect="1"/>
+          </p:cNvPicPr>
+          <p:nvPr/>
+        </p:nvPicPr>
+        <p:blipFill>
+          <a:blip r:embed="rId5"/>
+          <a:stretch>
+            <a:fillRect/>
+          </a:stretch>
+        </p:blipFill>
+        <p:spPr>
+          <a:xfrm>
+            <a:off x="1972270" y="2755004"/>
+            <a:ext cx="2032000" cy="1543050"/>
+          </a:xfrm>
+          <a:prstGeom prst="rect">
+            <a:avLst/>
+          </a:prstGeom>
+        </p:spPr>
+      </p:pic>
+      <p:sp>
+        <p:nvSpPr>
+          <p:cNvPr id="30" name="TextBox 29">
+            <a:extLst>
+              <a:ext uri="{FF2B5EF4-FFF2-40B4-BE49-F238E27FC236}">
+                <a16:creationId xmlns:a16="http://schemas.microsoft.com/office/drawing/2014/main" id="{34EBA280-8E9F-354C-9B20-4A71A21BD5E1}"/>
+              </a:ext>
+            </a:extLst>
+          </p:cNvPr>
+          <p:cNvSpPr txBox="1"/>
+          <p:nvPr/>
+        </p:nvSpPr>
+        <p:spPr>
+          <a:xfrm>
+            <a:off x="2385048" y="4288457"/>
+            <a:ext cx="2026517" cy="369332"/>
+          </a:xfrm>
+          <a:prstGeom prst="rect">
+            <a:avLst/>
+          </a:prstGeom>
+          <a:noFill/>
+        </p:spPr>
+        <p:txBody>
+          <a:bodyPr wrap="none" rtlCol="0">
+            <a:spAutoFit/>
+          </a:bodyPr>
+          <a:lstStyle/>
+          <a:p>
+            <a:r>
+              <a:rPr lang="en-US" dirty="0"/>
+              <a:t>4. ‘Right Light’: 0.94</a:t>
+            </a:r>
+          </a:p>
+        </p:txBody>
+      </p:sp>
+      <p:pic>
+        <p:nvPicPr>
+          <p:cNvPr id="32" name="Picture 31">
+            <a:extLst>
+              <a:ext uri="{FF2B5EF4-FFF2-40B4-BE49-F238E27FC236}">
+                <a16:creationId xmlns:a16="http://schemas.microsoft.com/office/drawing/2014/main" id="{BD82631A-68A2-114E-87A2-E98173204FF4}"/>
+              </a:ext>
+            </a:extLst>
+          </p:cNvPr>
+          <p:cNvPicPr>
+            <a:picLocks noChangeAspect="1"/>
+          </p:cNvPicPr>
+          <p:nvPr/>
+        </p:nvPicPr>
+        <p:blipFill>
+          <a:blip r:embed="rId6"/>
+          <a:stretch>
+            <a:fillRect/>
+          </a:stretch>
+        </p:blipFill>
+        <p:spPr>
+          <a:xfrm>
+            <a:off x="8606108" y="2711842"/>
+            <a:ext cx="2032000" cy="1543050"/>
+          </a:xfrm>
+          <a:prstGeom prst="rect">
+            <a:avLst/>
+          </a:prstGeom>
+        </p:spPr>
+      </p:pic>
+      <p:sp>
+        <p:nvSpPr>
+          <p:cNvPr id="33" name="TextBox 32">
+            <a:extLst>
+              <a:ext uri="{FF2B5EF4-FFF2-40B4-BE49-F238E27FC236}">
+                <a16:creationId xmlns:a16="http://schemas.microsoft.com/office/drawing/2014/main" id="{CB0EC320-623F-CB4E-92E5-BEDA922047AA}"/>
+              </a:ext>
+            </a:extLst>
+          </p:cNvPr>
+          <p:cNvSpPr txBox="1"/>
+          <p:nvPr/>
+        </p:nvSpPr>
+        <p:spPr>
+          <a:xfrm>
+            <a:off x="8823194" y="4234359"/>
+            <a:ext cx="1891865" cy="369332"/>
+          </a:xfrm>
+          <a:prstGeom prst="rect">
+            <a:avLst/>
+          </a:prstGeom>
+          <a:noFill/>
+        </p:spPr>
+        <p:txBody>
+          <a:bodyPr wrap="none" rtlCol="0">
+            <a:spAutoFit/>
+          </a:bodyPr>
+          <a:lstStyle/>
+          <a:p>
+            <a:r>
+              <a:rPr lang="en-US" dirty="0"/>
+              <a:t>7: ‘Surprised’ 1.00</a:t>
+            </a:r>
+          </a:p>
+        </p:txBody>
+      </p:sp>
+      <p:sp>
+        <p:nvSpPr>
+          <p:cNvPr id="38" name="TextBox 37">
+            <a:extLst>
+              <a:ext uri="{FF2B5EF4-FFF2-40B4-BE49-F238E27FC236}">
+                <a16:creationId xmlns:a16="http://schemas.microsoft.com/office/drawing/2014/main" id="{BE0E4FA5-AF0F-F546-A2C6-AE35B76CF35A}"/>
+              </a:ext>
+            </a:extLst>
+          </p:cNvPr>
+          <p:cNvSpPr txBox="1"/>
+          <p:nvPr/>
+        </p:nvSpPr>
+        <p:spPr>
+          <a:xfrm>
+            <a:off x="4393385" y="2342510"/>
+            <a:ext cx="1701491" cy="369332"/>
+          </a:xfrm>
+          <a:prstGeom prst="rect">
+            <a:avLst/>
+          </a:prstGeom>
+          <a:noFill/>
+        </p:spPr>
+        <p:txBody>
+          <a:bodyPr wrap="none" rtlCol="0">
+            <a:spAutoFit/>
+          </a:bodyPr>
+          <a:lstStyle/>
+          <a:p>
+            <a:r>
+              <a:rPr lang="en-US" dirty="0"/>
+              <a:t>1. ‘Happy’: 0.99</a:t>
+            </a:r>
+          </a:p>
+        </p:txBody>
+      </p:sp>
+      <p:pic>
+        <p:nvPicPr>
+          <p:cNvPr id="40" name="Picture 39">
+            <a:extLst>
+              <a:ext uri="{FF2B5EF4-FFF2-40B4-BE49-F238E27FC236}">
+                <a16:creationId xmlns:a16="http://schemas.microsoft.com/office/drawing/2014/main" id="{5DDD3C1A-B6B5-2945-B90D-695DDA45BEAC}"/>
+              </a:ext>
+            </a:extLst>
+          </p:cNvPr>
+          <p:cNvPicPr>
+            <a:picLocks noChangeAspect="1"/>
+          </p:cNvPicPr>
+          <p:nvPr/>
+        </p:nvPicPr>
+        <p:blipFill>
+          <a:blip r:embed="rId7"/>
+          <a:stretch>
+            <a:fillRect/>
+          </a:stretch>
+        </p:blipFill>
+        <p:spPr>
+          <a:xfrm>
+            <a:off x="4182480" y="834366"/>
+            <a:ext cx="2032000" cy="1543050"/>
+          </a:xfrm>
+          <a:prstGeom prst="rect">
+            <a:avLst/>
+          </a:prstGeom>
+        </p:spPr>
+      </p:pic>
+      <p:pic>
+        <p:nvPicPr>
+          <p:cNvPr id="42" name="Picture 41">
+            <a:extLst>
+              <a:ext uri="{FF2B5EF4-FFF2-40B4-BE49-F238E27FC236}">
+                <a16:creationId xmlns:a16="http://schemas.microsoft.com/office/drawing/2014/main" id="{4F69F76D-FAFA-2046-9466-D50CB5B93FCA}"/>
+              </a:ext>
+            </a:extLst>
+          </p:cNvPr>
+          <p:cNvPicPr>
+            <a:picLocks noChangeAspect="1"/>
+          </p:cNvPicPr>
+          <p:nvPr/>
+        </p:nvPicPr>
+        <p:blipFill>
+          <a:blip r:embed="rId8"/>
+          <a:stretch>
+            <a:fillRect/>
+          </a:stretch>
+        </p:blipFill>
+        <p:spPr>
+          <a:xfrm>
+            <a:off x="8573062" y="818974"/>
+            <a:ext cx="2032000" cy="1543050"/>
+          </a:xfrm>
+          <a:prstGeom prst="rect">
+            <a:avLst/>
+          </a:prstGeom>
+        </p:spPr>
+      </p:pic>
+      <p:sp>
+        <p:nvSpPr>
+          <p:cNvPr id="43" name="TextBox 42">
+            <a:extLst>
+              <a:ext uri="{FF2B5EF4-FFF2-40B4-BE49-F238E27FC236}">
+                <a16:creationId xmlns:a16="http://schemas.microsoft.com/office/drawing/2014/main" id="{ED05B081-3135-2345-9062-9638D66A348C}"/>
+              </a:ext>
+            </a:extLst>
+          </p:cNvPr>
+          <p:cNvSpPr txBox="1"/>
+          <p:nvPr/>
+        </p:nvSpPr>
+        <p:spPr>
+          <a:xfrm>
+            <a:off x="8741810" y="2326097"/>
+            <a:ext cx="1694503" cy="369332"/>
+          </a:xfrm>
+          <a:prstGeom prst="rect">
+            <a:avLst/>
+          </a:prstGeom>
+          <a:noFill/>
+        </p:spPr>
+        <p:txBody>
+          <a:bodyPr wrap="none" rtlCol="0">
+            <a:spAutoFit/>
+          </a:bodyPr>
+          <a:lstStyle/>
+          <a:p>
+            <a:r>
+              <a:rPr lang="en-US" dirty="0"/>
+              <a:t>3: ‘Normal’:0.38</a:t>
+            </a:r>
+          </a:p>
+        </p:txBody>
+      </p:sp>
+      <p:pic>
+        <p:nvPicPr>
+          <p:cNvPr id="45" name="Picture 44">
+            <a:extLst>
+              <a:ext uri="{FF2B5EF4-FFF2-40B4-BE49-F238E27FC236}">
+                <a16:creationId xmlns:a16="http://schemas.microsoft.com/office/drawing/2014/main" id="{A0D3CA2A-B6DF-A84A-9BAA-EFB68A258039}"/>
+              </a:ext>
+            </a:extLst>
+          </p:cNvPr>
+          <p:cNvPicPr>
+            <a:picLocks noChangeAspect="1"/>
+          </p:cNvPicPr>
+          <p:nvPr/>
+        </p:nvPicPr>
+        <p:blipFill>
+          <a:blip r:embed="rId9"/>
+          <a:stretch>
+            <a:fillRect/>
+          </a:stretch>
+        </p:blipFill>
+        <p:spPr>
+          <a:xfrm>
+            <a:off x="4171743" y="2769976"/>
+            <a:ext cx="2032000" cy="1543050"/>
+          </a:xfrm>
+          <a:prstGeom prst="rect">
+            <a:avLst/>
+          </a:prstGeom>
+        </p:spPr>
+      </p:pic>
+      <p:sp>
+        <p:nvSpPr>
+          <p:cNvPr id="46" name="TextBox 45">
+            <a:extLst>
+              <a:ext uri="{FF2B5EF4-FFF2-40B4-BE49-F238E27FC236}">
+                <a16:creationId xmlns:a16="http://schemas.microsoft.com/office/drawing/2014/main" id="{F723C0B2-BF91-8B49-986C-8E5E61F584D5}"/>
+              </a:ext>
+            </a:extLst>
+          </p:cNvPr>
+          <p:cNvSpPr txBox="1"/>
+          <p:nvPr/>
+        </p:nvSpPr>
+        <p:spPr>
+          <a:xfrm>
+            <a:off x="4685774" y="4307080"/>
+            <a:ext cx="1393330" cy="369332"/>
+          </a:xfrm>
+          <a:prstGeom prst="rect">
+            <a:avLst/>
+          </a:prstGeom>
+          <a:noFill/>
+        </p:spPr>
+        <p:txBody>
+          <a:bodyPr wrap="none" rtlCol="0">
+            <a:spAutoFit/>
+          </a:bodyPr>
+          <a:lstStyle/>
+          <a:p>
+            <a:r>
+              <a:rPr lang="en-US" dirty="0"/>
+              <a:t>5: ‘Sad’ 0.53</a:t>
+            </a:r>
+          </a:p>
+        </p:txBody>
+      </p:sp>
+      <p:pic>
+        <p:nvPicPr>
+          <p:cNvPr id="48" name="Picture 47">
+            <a:extLst>
+              <a:ext uri="{FF2B5EF4-FFF2-40B4-BE49-F238E27FC236}">
+                <a16:creationId xmlns:a16="http://schemas.microsoft.com/office/drawing/2014/main" id="{84F785C5-53C5-F74C-A952-DFC6EBD1C20D}"/>
+              </a:ext>
+            </a:extLst>
+          </p:cNvPr>
+          <p:cNvPicPr>
+            <a:picLocks noChangeAspect="1"/>
+          </p:cNvPicPr>
+          <p:nvPr/>
+        </p:nvPicPr>
+        <p:blipFill>
+          <a:blip r:embed="rId10"/>
+          <a:stretch>
+            <a:fillRect/>
+          </a:stretch>
+        </p:blipFill>
+        <p:spPr>
+          <a:xfrm>
+            <a:off x="6392134" y="2759877"/>
+            <a:ext cx="2025583" cy="1538177"/>
+          </a:xfrm>
+          <a:prstGeom prst="rect">
+            <a:avLst/>
+          </a:prstGeom>
+        </p:spPr>
+      </p:pic>
+      <p:sp>
+        <p:nvSpPr>
+          <p:cNvPr id="49" name="TextBox 48">
+            <a:extLst>
+              <a:ext uri="{FF2B5EF4-FFF2-40B4-BE49-F238E27FC236}">
+                <a16:creationId xmlns:a16="http://schemas.microsoft.com/office/drawing/2014/main" id="{98A012DA-8063-5A46-BD45-DA45E1A3ED26}"/>
+              </a:ext>
+            </a:extLst>
+          </p:cNvPr>
+          <p:cNvSpPr txBox="1"/>
+          <p:nvPr/>
+        </p:nvSpPr>
+        <p:spPr>
+          <a:xfrm>
+            <a:off x="6830762" y="4262768"/>
+            <a:ext cx="1590885" cy="369332"/>
+          </a:xfrm>
+          <a:prstGeom prst="rect">
+            <a:avLst/>
+          </a:prstGeom>
+          <a:noFill/>
+        </p:spPr>
+        <p:txBody>
+          <a:bodyPr wrap="none" rtlCol="0">
+            <a:spAutoFit/>
+          </a:bodyPr>
+          <a:lstStyle/>
+          <a:p>
+            <a:r>
+              <a:rPr lang="en-US" dirty="0"/>
+              <a:t>6: ‘Sleepy’0.91</a:t>
+            </a:r>
+          </a:p>
+        </p:txBody>
+      </p:sp>
+      <p:pic>
+        <p:nvPicPr>
+          <p:cNvPr id="51" name="Picture 50">
+            <a:extLst>
+              <a:ext uri="{FF2B5EF4-FFF2-40B4-BE49-F238E27FC236}">
+                <a16:creationId xmlns:a16="http://schemas.microsoft.com/office/drawing/2014/main" id="{A8FC9C30-D840-834A-ABE3-0F54D7D7DE96}"/>
+              </a:ext>
+            </a:extLst>
+          </p:cNvPr>
+          <p:cNvPicPr>
+            <a:picLocks noChangeAspect="1"/>
+          </p:cNvPicPr>
+          <p:nvPr/>
+        </p:nvPicPr>
+        <p:blipFill>
+          <a:blip r:embed="rId11"/>
+          <a:stretch>
+            <a:fillRect/>
+          </a:stretch>
+        </p:blipFill>
+        <p:spPr>
+          <a:xfrm>
+            <a:off x="2385048" y="4712581"/>
+            <a:ext cx="2032000" cy="1543050"/>
+          </a:xfrm>
+          <a:prstGeom prst="rect">
+            <a:avLst/>
+          </a:prstGeom>
+        </p:spPr>
+      </p:pic>
+      <p:sp>
+        <p:nvSpPr>
+          <p:cNvPr id="52" name="TextBox 51">
+            <a:extLst>
+              <a:ext uri="{FF2B5EF4-FFF2-40B4-BE49-F238E27FC236}">
+                <a16:creationId xmlns:a16="http://schemas.microsoft.com/office/drawing/2014/main" id="{E2D6B479-6AE0-D141-9BDE-FFF5E97838AA}"/>
+              </a:ext>
+            </a:extLst>
+          </p:cNvPr>
+          <p:cNvSpPr txBox="1"/>
+          <p:nvPr/>
+        </p:nvSpPr>
+        <p:spPr>
+          <a:xfrm>
+            <a:off x="3045526" y="6277233"/>
+            <a:ext cx="1560042" cy="369332"/>
+          </a:xfrm>
+          <a:prstGeom prst="rect">
+            <a:avLst/>
+          </a:prstGeom>
+          <a:noFill/>
+        </p:spPr>
+        <p:txBody>
+          <a:bodyPr wrap="none" rtlCol="0">
+            <a:spAutoFit/>
+          </a:bodyPr>
+          <a:lstStyle/>
+          <a:p>
+            <a:r>
+              <a:rPr lang="en-US" dirty="0"/>
+              <a:t>8. ‘Wink’: 0.90</a:t>
+            </a:r>
+          </a:p>
+        </p:txBody>
+      </p:sp>
+      <p:pic>
+        <p:nvPicPr>
+          <p:cNvPr id="54" name="Picture 53">
+            <a:extLst>
+              <a:ext uri="{FF2B5EF4-FFF2-40B4-BE49-F238E27FC236}">
+                <a16:creationId xmlns:a16="http://schemas.microsoft.com/office/drawing/2014/main" id="{2C4FC88A-6CF1-024D-A650-CD5BFE601F39}"/>
+              </a:ext>
+            </a:extLst>
+          </p:cNvPr>
+          <p:cNvPicPr>
+            <a:picLocks noChangeAspect="1"/>
+          </p:cNvPicPr>
+          <p:nvPr/>
+        </p:nvPicPr>
+        <p:blipFill>
+          <a:blip r:embed="rId12"/>
+          <a:stretch>
+            <a:fillRect/>
+          </a:stretch>
+        </p:blipFill>
+        <p:spPr>
+          <a:xfrm>
+            <a:off x="5021532" y="4711077"/>
+            <a:ext cx="2032000" cy="1543050"/>
+          </a:xfrm>
+          <a:prstGeom prst="rect">
+            <a:avLst/>
+          </a:prstGeom>
+        </p:spPr>
+      </p:pic>
+      <p:sp>
+        <p:nvSpPr>
+          <p:cNvPr id="55" name="TextBox 54">
+            <a:extLst>
+              <a:ext uri="{FF2B5EF4-FFF2-40B4-BE49-F238E27FC236}">
+                <a16:creationId xmlns:a16="http://schemas.microsoft.com/office/drawing/2014/main" id="{AA2436FA-D40D-3A45-9675-6BC33B6765F8}"/>
+              </a:ext>
+            </a:extLst>
+          </p:cNvPr>
+          <p:cNvSpPr txBox="1"/>
+          <p:nvPr/>
+        </p:nvSpPr>
+        <p:spPr>
+          <a:xfrm>
+            <a:off x="5074815" y="6224558"/>
+            <a:ext cx="2116285" cy="369332"/>
+          </a:xfrm>
+          <a:prstGeom prst="rect">
+            <a:avLst/>
+          </a:prstGeom>
+          <a:noFill/>
+        </p:spPr>
+        <p:txBody>
+          <a:bodyPr wrap="none" rtlCol="0">
+            <a:spAutoFit/>
+          </a:bodyPr>
+          <a:lstStyle/>
+          <a:p>
+            <a:r>
+              <a:rPr lang="en-US" dirty="0"/>
+              <a:t>9. ‘</a:t>
+            </a:r>
+            <a:r>
+              <a:rPr lang="en-US" dirty="0" err="1"/>
+              <a:t>CenterLight</a:t>
+            </a:r>
+            <a:r>
+              <a:rPr lang="en-US" dirty="0"/>
+              <a:t>’: 0.99</a:t>
+            </a:r>
+          </a:p>
+        </p:txBody>
+      </p:sp>
+    </p:spTree>
+    <p:extLst>
+      <p:ext uri="{BB962C8B-B14F-4D97-AF65-F5344CB8AC3E}">
+        <p14:creationId xmlns:p14="http://schemas.microsoft.com/office/powerpoint/2010/main" val="680876587"/>
+      </p:ext>
+    </p:extLst>
+  </p:cSld>
+  <p:clrMapOvr>
+    <a:masterClrMapping/>
+  </p:clrMapOvr>
+</p:sld>
+</file>
+
+<file path=ppt/slides/slide18.xml><?xml version="1.0" encoding="utf-8"?>
 <p:sld xmlns:a="http://schemas.openxmlformats.org/drawingml/2006/main" xmlns:r="http://schemas.openxmlformats.org/officeDocument/2006/relationships" xmlns:p="http://schemas.openxmlformats.org/presentationml/2006/main">
   <p:cSld>
     <p:spTree>
@@ -13418,7 +14246,12 @@
             <p:ph type="title"/>
           </p:nvPr>
         </p:nvSpPr>
-        <p:spPr/>
+        <p:spPr>
+          <a:xfrm>
+            <a:off x="1141413" y="87940"/>
+            <a:ext cx="9905998" cy="1478570"/>
+          </a:xfrm>
+        </p:spPr>
         <p:txBody>
           <a:bodyPr/>
           <a:lstStyle/>
@@ -13446,9 +14279,16 @@
             <p:ph idx="1"/>
           </p:nvPr>
         </p:nvSpPr>
-        <p:spPr/>
+        <p:spPr>
+          <a:xfrm>
+            <a:off x="1028523" y="1402820"/>
+            <a:ext cx="9905999" cy="5201180"/>
+          </a:xfrm>
+        </p:spPr>
         <p:txBody>
-          <a:bodyPr/>
+          <a:bodyPr>
+            <a:normAutofit/>
+          </a:bodyPr>
           <a:lstStyle/>
           <a:p>
             <a:r>
@@ -13457,6 +14297,18 @@
             </a:r>
           </a:p>
           <a:p>
+            <a:endParaRPr lang="en-US" dirty="0"/>
+          </a:p>
+          <a:p>
+            <a:endParaRPr lang="en-US" dirty="0"/>
+          </a:p>
+          <a:p>
+            <a:endParaRPr lang="en-US" dirty="0"/>
+          </a:p>
+          <a:p>
+            <a:endParaRPr lang="en-US" dirty="0"/>
+          </a:p>
+          <a:p>
             <a:r>
               <a:rPr lang="en-US" dirty="0"/>
               <a:t>Perhaps there are fine tuning methods that could be deployed so that the network can better identify the subtleties of these three categories.  </a:t>
@@ -13464,6 +14316,201 @@
           </a:p>
           <a:p>
             <a:endParaRPr lang="en-US" dirty="0"/>
+          </a:p>
+        </p:txBody>
+      </p:sp>
+      <p:pic>
+        <p:nvPicPr>
+          <p:cNvPr id="6" name="Picture 5">
+            <a:extLst>
+              <a:ext uri="{FF2B5EF4-FFF2-40B4-BE49-F238E27FC236}">
+                <a16:creationId xmlns:a16="http://schemas.microsoft.com/office/drawing/2014/main" id="{210BF987-9913-2041-9E88-C8ADA39818BC}"/>
+              </a:ext>
+            </a:extLst>
+          </p:cNvPr>
+          <p:cNvPicPr>
+            <a:picLocks noChangeAspect="1"/>
+          </p:cNvPicPr>
+          <p:nvPr/>
+        </p:nvPicPr>
+        <p:blipFill>
+          <a:blip r:embed="rId2"/>
+          <a:stretch>
+            <a:fillRect/>
+          </a:stretch>
+        </p:blipFill>
+        <p:spPr>
+          <a:xfrm>
+            <a:off x="4280611" y="3500758"/>
+            <a:ext cx="2032000" cy="1543050"/>
+          </a:xfrm>
+          <a:prstGeom prst="rect">
+            <a:avLst/>
+          </a:prstGeom>
+        </p:spPr>
+      </p:pic>
+      <p:sp>
+        <p:nvSpPr>
+          <p:cNvPr id="7" name="TextBox 6">
+            <a:extLst>
+              <a:ext uri="{FF2B5EF4-FFF2-40B4-BE49-F238E27FC236}">
+                <a16:creationId xmlns:a16="http://schemas.microsoft.com/office/drawing/2014/main" id="{3F9753F6-AD15-2142-8AA9-E5DF82D044AA}"/>
+              </a:ext>
+            </a:extLst>
+          </p:cNvPr>
+          <p:cNvSpPr txBox="1"/>
+          <p:nvPr/>
+        </p:nvSpPr>
+        <p:spPr>
+          <a:xfrm>
+            <a:off x="4794642" y="5037862"/>
+            <a:ext cx="1393330" cy="369332"/>
+          </a:xfrm>
+          <a:prstGeom prst="rect">
+            <a:avLst/>
+          </a:prstGeom>
+          <a:noFill/>
+        </p:spPr>
+        <p:txBody>
+          <a:bodyPr wrap="none" rtlCol="0">
+            <a:spAutoFit/>
+          </a:bodyPr>
+          <a:lstStyle/>
+          <a:p>
+            <a:r>
+              <a:rPr lang="en-US" dirty="0"/>
+              <a:t>5: ‘Sad’ 0.53</a:t>
+            </a:r>
+          </a:p>
+        </p:txBody>
+      </p:sp>
+      <p:pic>
+        <p:nvPicPr>
+          <p:cNvPr id="8" name="Picture 7">
+            <a:extLst>
+              <a:ext uri="{FF2B5EF4-FFF2-40B4-BE49-F238E27FC236}">
+                <a16:creationId xmlns:a16="http://schemas.microsoft.com/office/drawing/2014/main" id="{FB349C39-3500-FC45-984B-4853094C3475}"/>
+              </a:ext>
+            </a:extLst>
+          </p:cNvPr>
+          <p:cNvPicPr>
+            <a:picLocks noChangeAspect="1"/>
+          </p:cNvPicPr>
+          <p:nvPr/>
+        </p:nvPicPr>
+        <p:blipFill>
+          <a:blip r:embed="rId3"/>
+          <a:stretch>
+            <a:fillRect/>
+          </a:stretch>
+        </p:blipFill>
+        <p:spPr>
+          <a:xfrm>
+            <a:off x="1430739" y="3445421"/>
+            <a:ext cx="2032000" cy="1543050"/>
+          </a:xfrm>
+          <a:prstGeom prst="rect">
+            <a:avLst/>
+          </a:prstGeom>
+        </p:spPr>
+      </p:pic>
+      <p:sp>
+        <p:nvSpPr>
+          <p:cNvPr id="9" name="TextBox 8">
+            <a:extLst>
+              <a:ext uri="{FF2B5EF4-FFF2-40B4-BE49-F238E27FC236}">
+                <a16:creationId xmlns:a16="http://schemas.microsoft.com/office/drawing/2014/main" id="{2A4C3154-BBE9-974E-B01B-C712FD9EA0FE}"/>
+              </a:ext>
+            </a:extLst>
+          </p:cNvPr>
+          <p:cNvSpPr txBox="1"/>
+          <p:nvPr/>
+        </p:nvSpPr>
+        <p:spPr>
+          <a:xfrm>
+            <a:off x="1599487" y="4952544"/>
+            <a:ext cx="1694503" cy="369332"/>
+          </a:xfrm>
+          <a:prstGeom prst="rect">
+            <a:avLst/>
+          </a:prstGeom>
+          <a:noFill/>
+        </p:spPr>
+        <p:txBody>
+          <a:bodyPr wrap="none" rtlCol="0">
+            <a:spAutoFit/>
+          </a:bodyPr>
+          <a:lstStyle/>
+          <a:p>
+            <a:r>
+              <a:rPr lang="en-US" dirty="0"/>
+              <a:t>3: ‘Normal’:0.38</a:t>
+            </a:r>
+          </a:p>
+        </p:txBody>
+      </p:sp>
+      <p:pic>
+        <p:nvPicPr>
+          <p:cNvPr id="10" name="Picture 9">
+            <a:extLst>
+              <a:ext uri="{FF2B5EF4-FFF2-40B4-BE49-F238E27FC236}">
+                <a16:creationId xmlns:a16="http://schemas.microsoft.com/office/drawing/2014/main" id="{6315444B-D134-1C41-A8F7-C333D1A796D8}"/>
+              </a:ext>
+            </a:extLst>
+          </p:cNvPr>
+          <p:cNvPicPr>
+            <a:picLocks noChangeAspect="1"/>
+          </p:cNvPicPr>
+          <p:nvPr/>
+        </p:nvPicPr>
+        <p:blipFill>
+          <a:blip r:embed="rId4"/>
+          <a:stretch>
+            <a:fillRect/>
+          </a:stretch>
+        </p:blipFill>
+        <p:spPr>
+          <a:xfrm>
+            <a:off x="7519875" y="3500758"/>
+            <a:ext cx="2032000" cy="1543050"/>
+          </a:xfrm>
+          <a:prstGeom prst="rect">
+            <a:avLst/>
+          </a:prstGeom>
+        </p:spPr>
+      </p:pic>
+      <p:sp>
+        <p:nvSpPr>
+          <p:cNvPr id="11" name="TextBox 10">
+            <a:extLst>
+              <a:ext uri="{FF2B5EF4-FFF2-40B4-BE49-F238E27FC236}">
+                <a16:creationId xmlns:a16="http://schemas.microsoft.com/office/drawing/2014/main" id="{D9DAEACF-05C4-844A-B6A4-D0B8823417D9}"/>
+              </a:ext>
+            </a:extLst>
+          </p:cNvPr>
+          <p:cNvSpPr txBox="1"/>
+          <p:nvPr/>
+        </p:nvSpPr>
+        <p:spPr>
+          <a:xfrm>
+            <a:off x="7469842" y="5044817"/>
+            <a:ext cx="2238113" cy="369332"/>
+          </a:xfrm>
+          <a:prstGeom prst="rect">
+            <a:avLst/>
+          </a:prstGeom>
+          <a:noFill/>
+        </p:spPr>
+        <p:txBody>
+          <a:bodyPr wrap="none" rtlCol="0">
+            <a:spAutoFit/>
+          </a:bodyPr>
+          <a:lstStyle/>
+          <a:p>
+            <a:r>
+              <a:rPr lang="en-US" dirty="0"/>
+              <a:t>10. ‘No Glasses’: 0.62</a:t>
+            </a:r>
           </a:p>
         </p:txBody>
       </p:sp>
@@ -13890,6 +14937,791 @@
           <p:cNvPr id="2" name="Title 1">
             <a:extLst>
               <a:ext uri="{FF2B5EF4-FFF2-40B4-BE49-F238E27FC236}">
+                <a16:creationId xmlns:a16="http://schemas.microsoft.com/office/drawing/2014/main" id="{6E450460-207D-F647-B856-806F8DF2F970}"/>
+              </a:ext>
+            </a:extLst>
+          </p:cNvPr>
+          <p:cNvSpPr>
+            <a:spLocks noGrp="1"/>
+          </p:cNvSpPr>
+          <p:nvPr>
+            <p:ph type="title"/>
+          </p:nvPr>
+        </p:nvSpPr>
+        <p:spPr>
+          <a:xfrm>
+            <a:off x="2089679" y="0"/>
+            <a:ext cx="9905998" cy="1013695"/>
+          </a:xfrm>
+        </p:spPr>
+        <p:txBody>
+          <a:bodyPr/>
+          <a:lstStyle/>
+          <a:p>
+            <a:r>
+              <a:rPr lang="en-US" dirty="0"/>
+              <a:t>  Example of Image Classes: Subject 1</a:t>
+            </a:r>
+          </a:p>
+        </p:txBody>
+      </p:sp>
+      <p:pic>
+        <p:nvPicPr>
+          <p:cNvPr id="19" name="Content Placeholder 18">
+            <a:extLst>
+              <a:ext uri="{FF2B5EF4-FFF2-40B4-BE49-F238E27FC236}">
+                <a16:creationId xmlns:a16="http://schemas.microsoft.com/office/drawing/2014/main" id="{92601D04-A728-5941-8D0E-3DFC5D66FDA9}"/>
+              </a:ext>
+            </a:extLst>
+          </p:cNvPr>
+          <p:cNvPicPr>
+            <a:picLocks noGrp="1" noChangeAspect="1"/>
+          </p:cNvPicPr>
+          <p:nvPr>
+            <p:ph idx="1"/>
+          </p:nvPr>
+        </p:nvPicPr>
+        <p:blipFill>
+          <a:blip r:embed="rId2"/>
+          <a:stretch>
+            <a:fillRect/>
+          </a:stretch>
+        </p:blipFill>
+        <p:spPr>
+          <a:xfrm>
+            <a:off x="1957983" y="813550"/>
+            <a:ext cx="2046287" cy="1553899"/>
+          </a:xfrm>
+        </p:spPr>
+      </p:pic>
+      <p:sp>
+        <p:nvSpPr>
+          <p:cNvPr id="21" name="TextBox 20">
+            <a:extLst>
+              <a:ext uri="{FF2B5EF4-FFF2-40B4-BE49-F238E27FC236}">
+                <a16:creationId xmlns:a16="http://schemas.microsoft.com/office/drawing/2014/main" id="{5166782A-AFCD-D54C-9E14-4DE3BF6BDA7D}"/>
+              </a:ext>
+            </a:extLst>
+          </p:cNvPr>
+          <p:cNvSpPr txBox="1"/>
+          <p:nvPr/>
+        </p:nvSpPr>
+        <p:spPr>
+          <a:xfrm>
+            <a:off x="2495884" y="2352645"/>
+            <a:ext cx="1231427" cy="369332"/>
+          </a:xfrm>
+          <a:prstGeom prst="rect">
+            <a:avLst/>
+          </a:prstGeom>
+          <a:noFill/>
+        </p:spPr>
+        <p:txBody>
+          <a:bodyPr wrap="none" rtlCol="0">
+            <a:spAutoFit/>
+          </a:bodyPr>
+          <a:lstStyle/>
+          <a:p>
+            <a:r>
+              <a:rPr lang="en-US" dirty="0"/>
+              <a:t>0: ‘Glasses’</a:t>
+            </a:r>
+          </a:p>
+        </p:txBody>
+      </p:sp>
+      <p:pic>
+        <p:nvPicPr>
+          <p:cNvPr id="23" name="Picture 22">
+            <a:extLst>
+              <a:ext uri="{FF2B5EF4-FFF2-40B4-BE49-F238E27FC236}">
+                <a16:creationId xmlns:a16="http://schemas.microsoft.com/office/drawing/2014/main" id="{938EB02E-3C39-564B-86EA-494D63C1DF55}"/>
+              </a:ext>
+            </a:extLst>
+          </p:cNvPr>
+          <p:cNvPicPr>
+            <a:picLocks noChangeAspect="1"/>
+          </p:cNvPicPr>
+          <p:nvPr/>
+        </p:nvPicPr>
+        <p:blipFill>
+          <a:blip r:embed="rId3"/>
+          <a:stretch>
+            <a:fillRect/>
+          </a:stretch>
+        </p:blipFill>
+        <p:spPr>
+          <a:xfrm>
+            <a:off x="6377771" y="854046"/>
+            <a:ext cx="2032000" cy="1543050"/>
+          </a:xfrm>
+          <a:prstGeom prst="rect">
+            <a:avLst/>
+          </a:prstGeom>
+        </p:spPr>
+      </p:pic>
+      <p:pic>
+        <p:nvPicPr>
+          <p:cNvPr id="25" name="Picture 24">
+            <a:extLst>
+              <a:ext uri="{FF2B5EF4-FFF2-40B4-BE49-F238E27FC236}">
+                <a16:creationId xmlns:a16="http://schemas.microsoft.com/office/drawing/2014/main" id="{5BBAE37F-00CF-BF49-9AF6-222AECFBD56D}"/>
+              </a:ext>
+            </a:extLst>
+          </p:cNvPr>
+          <p:cNvPicPr>
+            <a:picLocks noChangeAspect="1"/>
+          </p:cNvPicPr>
+          <p:nvPr/>
+        </p:nvPicPr>
+        <p:blipFill>
+          <a:blip r:embed="rId4"/>
+          <a:stretch>
+            <a:fillRect/>
+          </a:stretch>
+        </p:blipFill>
+        <p:spPr>
+          <a:xfrm>
+            <a:off x="7708049" y="4696168"/>
+            <a:ext cx="2032000" cy="1543050"/>
+          </a:xfrm>
+          <a:prstGeom prst="rect">
+            <a:avLst/>
+          </a:prstGeom>
+        </p:spPr>
+      </p:pic>
+      <p:sp>
+        <p:nvSpPr>
+          <p:cNvPr id="26" name="TextBox 25">
+            <a:extLst>
+              <a:ext uri="{FF2B5EF4-FFF2-40B4-BE49-F238E27FC236}">
+                <a16:creationId xmlns:a16="http://schemas.microsoft.com/office/drawing/2014/main" id="{FFB72E0C-7286-544F-A3EA-F8B5E310B0F2}"/>
+              </a:ext>
+            </a:extLst>
+          </p:cNvPr>
+          <p:cNvSpPr txBox="1"/>
+          <p:nvPr/>
+        </p:nvSpPr>
+        <p:spPr>
+          <a:xfrm>
+            <a:off x="6679723" y="2370981"/>
+            <a:ext cx="1366080" cy="369332"/>
+          </a:xfrm>
+          <a:prstGeom prst="rect">
+            <a:avLst/>
+          </a:prstGeom>
+          <a:noFill/>
+        </p:spPr>
+        <p:txBody>
+          <a:bodyPr wrap="none" rtlCol="0">
+            <a:spAutoFit/>
+          </a:bodyPr>
+          <a:lstStyle/>
+          <a:p>
+            <a:r>
+              <a:rPr lang="en-US" dirty="0"/>
+              <a:t>2: ‘Left Light’</a:t>
+            </a:r>
+          </a:p>
+        </p:txBody>
+      </p:sp>
+      <p:sp>
+        <p:nvSpPr>
+          <p:cNvPr id="27" name="TextBox 26">
+            <a:extLst>
+              <a:ext uri="{FF2B5EF4-FFF2-40B4-BE49-F238E27FC236}">
+                <a16:creationId xmlns:a16="http://schemas.microsoft.com/office/drawing/2014/main" id="{364559F3-DB4D-3547-929F-79851D61F243}"/>
+              </a:ext>
+            </a:extLst>
+          </p:cNvPr>
+          <p:cNvSpPr txBox="1"/>
+          <p:nvPr/>
+        </p:nvSpPr>
+        <p:spPr>
+          <a:xfrm>
+            <a:off x="7878304" y="6255631"/>
+            <a:ext cx="1691489" cy="369332"/>
+          </a:xfrm>
+          <a:prstGeom prst="rect">
+            <a:avLst/>
+          </a:prstGeom>
+          <a:noFill/>
+        </p:spPr>
+        <p:txBody>
+          <a:bodyPr wrap="none" rtlCol="0">
+            <a:spAutoFit/>
+          </a:bodyPr>
+          <a:lstStyle/>
+          <a:p>
+            <a:r>
+              <a:rPr lang="en-US" dirty="0"/>
+              <a:t>10: ‘No Glasses’</a:t>
+            </a:r>
+          </a:p>
+        </p:txBody>
+      </p:sp>
+      <p:pic>
+        <p:nvPicPr>
+          <p:cNvPr id="29" name="Picture 28">
+            <a:extLst>
+              <a:ext uri="{FF2B5EF4-FFF2-40B4-BE49-F238E27FC236}">
+                <a16:creationId xmlns:a16="http://schemas.microsoft.com/office/drawing/2014/main" id="{305F5D65-656B-4740-9CD2-690D08C50B3F}"/>
+              </a:ext>
+            </a:extLst>
+          </p:cNvPr>
+          <p:cNvPicPr>
+            <a:picLocks noChangeAspect="1"/>
+          </p:cNvPicPr>
+          <p:nvPr/>
+        </p:nvPicPr>
+        <p:blipFill>
+          <a:blip r:embed="rId5"/>
+          <a:stretch>
+            <a:fillRect/>
+          </a:stretch>
+        </p:blipFill>
+        <p:spPr>
+          <a:xfrm>
+            <a:off x="1972270" y="2755004"/>
+            <a:ext cx="2032000" cy="1543050"/>
+          </a:xfrm>
+          <a:prstGeom prst="rect">
+            <a:avLst/>
+          </a:prstGeom>
+        </p:spPr>
+      </p:pic>
+      <p:sp>
+        <p:nvSpPr>
+          <p:cNvPr id="30" name="TextBox 29">
+            <a:extLst>
+              <a:ext uri="{FF2B5EF4-FFF2-40B4-BE49-F238E27FC236}">
+                <a16:creationId xmlns:a16="http://schemas.microsoft.com/office/drawing/2014/main" id="{34EBA280-8E9F-354C-9B20-4A71A21BD5E1}"/>
+              </a:ext>
+            </a:extLst>
+          </p:cNvPr>
+          <p:cNvSpPr txBox="1"/>
+          <p:nvPr/>
+        </p:nvSpPr>
+        <p:spPr>
+          <a:xfrm>
+            <a:off x="2385048" y="4288457"/>
+            <a:ext cx="1479892" cy="369332"/>
+          </a:xfrm>
+          <a:prstGeom prst="rect">
+            <a:avLst/>
+          </a:prstGeom>
+          <a:noFill/>
+        </p:spPr>
+        <p:txBody>
+          <a:bodyPr wrap="none" rtlCol="0">
+            <a:spAutoFit/>
+          </a:bodyPr>
+          <a:lstStyle/>
+          <a:p>
+            <a:r>
+              <a:rPr lang="en-US" dirty="0"/>
+              <a:t>4: ‘Right Light’</a:t>
+            </a:r>
+          </a:p>
+        </p:txBody>
+      </p:sp>
+      <p:pic>
+        <p:nvPicPr>
+          <p:cNvPr id="32" name="Picture 31">
+            <a:extLst>
+              <a:ext uri="{FF2B5EF4-FFF2-40B4-BE49-F238E27FC236}">
+                <a16:creationId xmlns:a16="http://schemas.microsoft.com/office/drawing/2014/main" id="{BD82631A-68A2-114E-87A2-E98173204FF4}"/>
+              </a:ext>
+            </a:extLst>
+          </p:cNvPr>
+          <p:cNvPicPr>
+            <a:picLocks noChangeAspect="1"/>
+          </p:cNvPicPr>
+          <p:nvPr/>
+        </p:nvPicPr>
+        <p:blipFill>
+          <a:blip r:embed="rId6"/>
+          <a:stretch>
+            <a:fillRect/>
+          </a:stretch>
+        </p:blipFill>
+        <p:spPr>
+          <a:xfrm>
+            <a:off x="8606108" y="2711842"/>
+            <a:ext cx="2032000" cy="1543050"/>
+          </a:xfrm>
+          <a:prstGeom prst="rect">
+            <a:avLst/>
+          </a:prstGeom>
+        </p:spPr>
+      </p:pic>
+      <p:sp>
+        <p:nvSpPr>
+          <p:cNvPr id="33" name="TextBox 32">
+            <a:extLst>
+              <a:ext uri="{FF2B5EF4-FFF2-40B4-BE49-F238E27FC236}">
+                <a16:creationId xmlns:a16="http://schemas.microsoft.com/office/drawing/2014/main" id="{CB0EC320-623F-CB4E-92E5-BEDA922047AA}"/>
+              </a:ext>
+            </a:extLst>
+          </p:cNvPr>
+          <p:cNvSpPr txBox="1"/>
+          <p:nvPr/>
+        </p:nvSpPr>
+        <p:spPr>
+          <a:xfrm>
+            <a:off x="9041132" y="4262768"/>
+            <a:ext cx="1396536" cy="369332"/>
+          </a:xfrm>
+          <a:prstGeom prst="rect">
+            <a:avLst/>
+          </a:prstGeom>
+          <a:noFill/>
+        </p:spPr>
+        <p:txBody>
+          <a:bodyPr wrap="none" rtlCol="0">
+            <a:spAutoFit/>
+          </a:bodyPr>
+          <a:lstStyle/>
+          <a:p>
+            <a:r>
+              <a:rPr lang="en-US" dirty="0"/>
+              <a:t>7: ‘Surprised’</a:t>
+            </a:r>
+          </a:p>
+        </p:txBody>
+      </p:sp>
+      <p:sp>
+        <p:nvSpPr>
+          <p:cNvPr id="38" name="TextBox 37">
+            <a:extLst>
+              <a:ext uri="{FF2B5EF4-FFF2-40B4-BE49-F238E27FC236}">
+                <a16:creationId xmlns:a16="http://schemas.microsoft.com/office/drawing/2014/main" id="{BE0E4FA5-AF0F-F546-A2C6-AE35B76CF35A}"/>
+              </a:ext>
+            </a:extLst>
+          </p:cNvPr>
+          <p:cNvSpPr txBox="1"/>
+          <p:nvPr/>
+        </p:nvSpPr>
+        <p:spPr>
+          <a:xfrm>
+            <a:off x="4742073" y="2364476"/>
+            <a:ext cx="1154868" cy="369332"/>
+          </a:xfrm>
+          <a:prstGeom prst="rect">
+            <a:avLst/>
+          </a:prstGeom>
+          <a:noFill/>
+        </p:spPr>
+        <p:txBody>
+          <a:bodyPr wrap="none" rtlCol="0">
+            <a:spAutoFit/>
+          </a:bodyPr>
+          <a:lstStyle/>
+          <a:p>
+            <a:r>
+              <a:rPr lang="en-US" dirty="0"/>
+              <a:t>1: ‘Happy’</a:t>
+            </a:r>
+          </a:p>
+        </p:txBody>
+      </p:sp>
+      <p:pic>
+        <p:nvPicPr>
+          <p:cNvPr id="40" name="Picture 39">
+            <a:extLst>
+              <a:ext uri="{FF2B5EF4-FFF2-40B4-BE49-F238E27FC236}">
+                <a16:creationId xmlns:a16="http://schemas.microsoft.com/office/drawing/2014/main" id="{5DDD3C1A-B6B5-2945-B90D-695DDA45BEAC}"/>
+              </a:ext>
+            </a:extLst>
+          </p:cNvPr>
+          <p:cNvPicPr>
+            <a:picLocks noChangeAspect="1"/>
+          </p:cNvPicPr>
+          <p:nvPr/>
+        </p:nvPicPr>
+        <p:blipFill>
+          <a:blip r:embed="rId7"/>
+          <a:stretch>
+            <a:fillRect/>
+          </a:stretch>
+        </p:blipFill>
+        <p:spPr>
+          <a:xfrm>
+            <a:off x="4182480" y="834366"/>
+            <a:ext cx="2032000" cy="1543050"/>
+          </a:xfrm>
+          <a:prstGeom prst="rect">
+            <a:avLst/>
+          </a:prstGeom>
+        </p:spPr>
+      </p:pic>
+      <p:pic>
+        <p:nvPicPr>
+          <p:cNvPr id="42" name="Picture 41">
+            <a:extLst>
+              <a:ext uri="{FF2B5EF4-FFF2-40B4-BE49-F238E27FC236}">
+                <a16:creationId xmlns:a16="http://schemas.microsoft.com/office/drawing/2014/main" id="{4F69F76D-FAFA-2046-9466-D50CB5B93FCA}"/>
+              </a:ext>
+            </a:extLst>
+          </p:cNvPr>
+          <p:cNvPicPr>
+            <a:picLocks noChangeAspect="1"/>
+          </p:cNvPicPr>
+          <p:nvPr/>
+        </p:nvPicPr>
+        <p:blipFill>
+          <a:blip r:embed="rId8"/>
+          <a:stretch>
+            <a:fillRect/>
+          </a:stretch>
+        </p:blipFill>
+        <p:spPr>
+          <a:xfrm>
+            <a:off x="8602900" y="796869"/>
+            <a:ext cx="2032000" cy="1543050"/>
+          </a:xfrm>
+          <a:prstGeom prst="rect">
+            <a:avLst/>
+          </a:prstGeom>
+        </p:spPr>
+      </p:pic>
+      <p:sp>
+        <p:nvSpPr>
+          <p:cNvPr id="43" name="TextBox 42">
+            <a:extLst>
+              <a:ext uri="{FF2B5EF4-FFF2-40B4-BE49-F238E27FC236}">
+                <a16:creationId xmlns:a16="http://schemas.microsoft.com/office/drawing/2014/main" id="{ED05B081-3135-2345-9062-9638D66A348C}"/>
+              </a:ext>
+            </a:extLst>
+          </p:cNvPr>
+          <p:cNvSpPr txBox="1"/>
+          <p:nvPr/>
+        </p:nvSpPr>
+        <p:spPr>
+          <a:xfrm>
+            <a:off x="9196282" y="2326097"/>
+            <a:ext cx="1211998" cy="369332"/>
+          </a:xfrm>
+          <a:prstGeom prst="rect">
+            <a:avLst/>
+          </a:prstGeom>
+          <a:noFill/>
+        </p:spPr>
+        <p:txBody>
+          <a:bodyPr wrap="none" rtlCol="0">
+            <a:spAutoFit/>
+          </a:bodyPr>
+          <a:lstStyle/>
+          <a:p>
+            <a:r>
+              <a:rPr lang="en-US" dirty="0"/>
+              <a:t>3: ‘Normal’</a:t>
+            </a:r>
+          </a:p>
+        </p:txBody>
+      </p:sp>
+      <p:pic>
+        <p:nvPicPr>
+          <p:cNvPr id="45" name="Picture 44">
+            <a:extLst>
+              <a:ext uri="{FF2B5EF4-FFF2-40B4-BE49-F238E27FC236}">
+                <a16:creationId xmlns:a16="http://schemas.microsoft.com/office/drawing/2014/main" id="{A0D3CA2A-B6DF-A84A-9BAA-EFB68A258039}"/>
+              </a:ext>
+            </a:extLst>
+          </p:cNvPr>
+          <p:cNvPicPr>
+            <a:picLocks noChangeAspect="1"/>
+          </p:cNvPicPr>
+          <p:nvPr/>
+        </p:nvPicPr>
+        <p:blipFill>
+          <a:blip r:embed="rId9"/>
+          <a:stretch>
+            <a:fillRect/>
+          </a:stretch>
+        </p:blipFill>
+        <p:spPr>
+          <a:xfrm>
+            <a:off x="4171743" y="2769976"/>
+            <a:ext cx="2032000" cy="1543050"/>
+          </a:xfrm>
+          <a:prstGeom prst="rect">
+            <a:avLst/>
+          </a:prstGeom>
+        </p:spPr>
+      </p:pic>
+      <p:sp>
+        <p:nvSpPr>
+          <p:cNvPr id="46" name="TextBox 45">
+            <a:extLst>
+              <a:ext uri="{FF2B5EF4-FFF2-40B4-BE49-F238E27FC236}">
+                <a16:creationId xmlns:a16="http://schemas.microsoft.com/office/drawing/2014/main" id="{F723C0B2-BF91-8B49-986C-8E5E61F584D5}"/>
+              </a:ext>
+            </a:extLst>
+          </p:cNvPr>
+          <p:cNvSpPr txBox="1"/>
+          <p:nvPr/>
+        </p:nvSpPr>
+        <p:spPr>
+          <a:xfrm>
+            <a:off x="4685774" y="4307080"/>
+            <a:ext cx="898003" cy="369332"/>
+          </a:xfrm>
+          <a:prstGeom prst="rect">
+            <a:avLst/>
+          </a:prstGeom>
+          <a:noFill/>
+        </p:spPr>
+        <p:txBody>
+          <a:bodyPr wrap="none" rtlCol="0">
+            <a:spAutoFit/>
+          </a:bodyPr>
+          <a:lstStyle/>
+          <a:p>
+            <a:r>
+              <a:rPr lang="en-US" dirty="0"/>
+              <a:t>5: ‘Sad’</a:t>
+            </a:r>
+          </a:p>
+        </p:txBody>
+      </p:sp>
+      <p:pic>
+        <p:nvPicPr>
+          <p:cNvPr id="48" name="Picture 47">
+            <a:extLst>
+              <a:ext uri="{FF2B5EF4-FFF2-40B4-BE49-F238E27FC236}">
+                <a16:creationId xmlns:a16="http://schemas.microsoft.com/office/drawing/2014/main" id="{84F785C5-53C5-F74C-A952-DFC6EBD1C20D}"/>
+              </a:ext>
+            </a:extLst>
+          </p:cNvPr>
+          <p:cNvPicPr>
+            <a:picLocks noChangeAspect="1"/>
+          </p:cNvPicPr>
+          <p:nvPr/>
+        </p:nvPicPr>
+        <p:blipFill>
+          <a:blip r:embed="rId10"/>
+          <a:stretch>
+            <a:fillRect/>
+          </a:stretch>
+        </p:blipFill>
+        <p:spPr>
+          <a:xfrm>
+            <a:off x="6392134" y="2759877"/>
+            <a:ext cx="2025583" cy="1538177"/>
+          </a:xfrm>
+          <a:prstGeom prst="rect">
+            <a:avLst/>
+          </a:prstGeom>
+        </p:spPr>
+      </p:pic>
+      <p:sp>
+        <p:nvSpPr>
+          <p:cNvPr id="49" name="TextBox 48">
+            <a:extLst>
+              <a:ext uri="{FF2B5EF4-FFF2-40B4-BE49-F238E27FC236}">
+                <a16:creationId xmlns:a16="http://schemas.microsoft.com/office/drawing/2014/main" id="{98A012DA-8063-5A46-BD45-DA45E1A3ED26}"/>
+              </a:ext>
+            </a:extLst>
+          </p:cNvPr>
+          <p:cNvSpPr txBox="1"/>
+          <p:nvPr/>
+        </p:nvSpPr>
+        <p:spPr>
+          <a:xfrm>
+            <a:off x="7000042" y="4272424"/>
+            <a:ext cx="1159676" cy="369332"/>
+          </a:xfrm>
+          <a:prstGeom prst="rect">
+            <a:avLst/>
+          </a:prstGeom>
+          <a:noFill/>
+        </p:spPr>
+        <p:txBody>
+          <a:bodyPr wrap="none" rtlCol="0">
+            <a:spAutoFit/>
+          </a:bodyPr>
+          <a:lstStyle/>
+          <a:p>
+            <a:r>
+              <a:rPr lang="en-US" dirty="0"/>
+              <a:t>6: ‘Sleepy’</a:t>
+            </a:r>
+          </a:p>
+        </p:txBody>
+      </p:sp>
+      <p:pic>
+        <p:nvPicPr>
+          <p:cNvPr id="51" name="Picture 50">
+            <a:extLst>
+              <a:ext uri="{FF2B5EF4-FFF2-40B4-BE49-F238E27FC236}">
+                <a16:creationId xmlns:a16="http://schemas.microsoft.com/office/drawing/2014/main" id="{A8FC9C30-D840-834A-ABE3-0F54D7D7DE96}"/>
+              </a:ext>
+            </a:extLst>
+          </p:cNvPr>
+          <p:cNvPicPr>
+            <a:picLocks noChangeAspect="1"/>
+          </p:cNvPicPr>
+          <p:nvPr/>
+        </p:nvPicPr>
+        <p:blipFill>
+          <a:blip r:embed="rId11"/>
+          <a:stretch>
+            <a:fillRect/>
+          </a:stretch>
+        </p:blipFill>
+        <p:spPr>
+          <a:xfrm>
+            <a:off x="2385048" y="4712581"/>
+            <a:ext cx="2032000" cy="1543050"/>
+          </a:xfrm>
+          <a:prstGeom prst="rect">
+            <a:avLst/>
+          </a:prstGeom>
+        </p:spPr>
+      </p:pic>
+      <p:sp>
+        <p:nvSpPr>
+          <p:cNvPr id="52" name="TextBox 51">
+            <a:extLst>
+              <a:ext uri="{FF2B5EF4-FFF2-40B4-BE49-F238E27FC236}">
+                <a16:creationId xmlns:a16="http://schemas.microsoft.com/office/drawing/2014/main" id="{E2D6B479-6AE0-D141-9BDE-FFF5E97838AA}"/>
+              </a:ext>
+            </a:extLst>
+          </p:cNvPr>
+          <p:cNvSpPr txBox="1"/>
+          <p:nvPr/>
+        </p:nvSpPr>
+        <p:spPr>
+          <a:xfrm>
+            <a:off x="3045526" y="6277233"/>
+            <a:ext cx="949299" cy="369332"/>
+          </a:xfrm>
+          <a:prstGeom prst="rect">
+            <a:avLst/>
+          </a:prstGeom>
+          <a:noFill/>
+        </p:spPr>
+        <p:txBody>
+          <a:bodyPr wrap="none" rtlCol="0">
+            <a:spAutoFit/>
+          </a:bodyPr>
+          <a:lstStyle/>
+          <a:p>
+            <a:r>
+              <a:rPr lang="en-US" dirty="0"/>
+              <a:t>8:‘Wink’</a:t>
+            </a:r>
+          </a:p>
+        </p:txBody>
+      </p:sp>
+      <p:pic>
+        <p:nvPicPr>
+          <p:cNvPr id="54" name="Picture 53">
+            <a:extLst>
+              <a:ext uri="{FF2B5EF4-FFF2-40B4-BE49-F238E27FC236}">
+                <a16:creationId xmlns:a16="http://schemas.microsoft.com/office/drawing/2014/main" id="{2C4FC88A-6CF1-024D-A650-CD5BFE601F39}"/>
+              </a:ext>
+            </a:extLst>
+          </p:cNvPr>
+          <p:cNvPicPr>
+            <a:picLocks noChangeAspect="1"/>
+          </p:cNvPicPr>
+          <p:nvPr/>
+        </p:nvPicPr>
+        <p:blipFill>
+          <a:blip r:embed="rId12"/>
+          <a:stretch>
+            <a:fillRect/>
+          </a:stretch>
+        </p:blipFill>
+        <p:spPr>
+          <a:xfrm>
+            <a:off x="5021532" y="4711077"/>
+            <a:ext cx="2032000" cy="1543050"/>
+          </a:xfrm>
+          <a:prstGeom prst="rect">
+            <a:avLst/>
+          </a:prstGeom>
+        </p:spPr>
+      </p:pic>
+      <p:sp>
+        <p:nvSpPr>
+          <p:cNvPr id="55" name="TextBox 54">
+            <a:extLst>
+              <a:ext uri="{FF2B5EF4-FFF2-40B4-BE49-F238E27FC236}">
+                <a16:creationId xmlns:a16="http://schemas.microsoft.com/office/drawing/2014/main" id="{AA2436FA-D40D-3A45-9675-6BC33B6765F8}"/>
+              </a:ext>
+            </a:extLst>
+          </p:cNvPr>
+          <p:cNvSpPr txBox="1"/>
+          <p:nvPr/>
+        </p:nvSpPr>
+        <p:spPr>
+          <a:xfrm>
+            <a:off x="5362846" y="6213516"/>
+            <a:ext cx="1569660" cy="369332"/>
+          </a:xfrm>
+          <a:prstGeom prst="rect">
+            <a:avLst/>
+          </a:prstGeom>
+          <a:noFill/>
+        </p:spPr>
+        <p:txBody>
+          <a:bodyPr wrap="none" rtlCol="0">
+            <a:spAutoFit/>
+          </a:bodyPr>
+          <a:lstStyle/>
+          <a:p>
+            <a:r>
+              <a:rPr lang="en-US" dirty="0"/>
+              <a:t>9: ‘</a:t>
+            </a:r>
+            <a:r>
+              <a:rPr lang="en-US" dirty="0" err="1"/>
+              <a:t>CenterLight</a:t>
+            </a:r>
+            <a:r>
+              <a:rPr lang="en-US" dirty="0"/>
+              <a:t>’</a:t>
+            </a:r>
+          </a:p>
+        </p:txBody>
+      </p:sp>
+    </p:spTree>
+    <p:extLst>
+      <p:ext uri="{BB962C8B-B14F-4D97-AF65-F5344CB8AC3E}">
+        <p14:creationId xmlns:p14="http://schemas.microsoft.com/office/powerpoint/2010/main" val="4123895831"/>
+      </p:ext>
+    </p:extLst>
+  </p:cSld>
+  <p:clrMapOvr>
+    <a:masterClrMapping/>
+  </p:clrMapOvr>
+</p:sld>
+</file>
+
+<file path=ppt/slides/slide5.xml><?xml version="1.0" encoding="utf-8"?>
+<p:sld xmlns:a="http://schemas.openxmlformats.org/drawingml/2006/main" xmlns:r="http://schemas.openxmlformats.org/officeDocument/2006/relationships" xmlns:p="http://schemas.openxmlformats.org/presentationml/2006/main">
+  <p:cSld>
+    <p:spTree>
+      <p:nvGrpSpPr>
+        <p:cNvPr id="1" name=""/>
+        <p:cNvGrpSpPr/>
+        <p:nvPr/>
+      </p:nvGrpSpPr>
+      <p:grpSpPr>
+        <a:xfrm>
+          <a:off x="0" y="0"/>
+          <a:ext cx="0" cy="0"/>
+          <a:chOff x="0" y="0"/>
+          <a:chExt cx="0" cy="0"/>
+        </a:xfrm>
+      </p:grpSpPr>
+      <p:sp>
+        <p:nvSpPr>
+          <p:cNvPr id="2" name="Title 1">
+            <a:extLst>
+              <a:ext uri="{FF2B5EF4-FFF2-40B4-BE49-F238E27FC236}">
                 <a16:creationId xmlns:a16="http://schemas.microsoft.com/office/drawing/2014/main" id="{B862E8D8-A63C-6C40-9A16-D0358A2FD383}"/>
               </a:ext>
             </a:extLst>
@@ -14099,7 +15931,7 @@
 </p:sld>
 </file>
 
-<file path=ppt/slides/slide5.xml><?xml version="1.0" encoding="utf-8"?>
+<file path=ppt/slides/slide6.xml><?xml version="1.0" encoding="utf-8"?>
 <p:sld xmlns:a="http://schemas.openxmlformats.org/drawingml/2006/main" xmlns:r="http://schemas.openxmlformats.org/officeDocument/2006/relationships" xmlns:p="http://schemas.openxmlformats.org/presentationml/2006/main">
   <p:cSld>
     <p:spTree>
@@ -14198,7 +16030,7 @@
 </p:sld>
 </file>
 
-<file path=ppt/slides/slide6.xml><?xml version="1.0" encoding="utf-8"?>
+<file path=ppt/slides/slide7.xml><?xml version="1.0" encoding="utf-8"?>
 <p:sld xmlns:a="http://schemas.openxmlformats.org/drawingml/2006/main" xmlns:r="http://schemas.openxmlformats.org/officeDocument/2006/relationships" xmlns:p="http://schemas.openxmlformats.org/presentationml/2006/main">
   <p:cSld>
     <p:spTree>
@@ -14286,7 +16118,7 @@
 </p:sld>
 </file>
 
-<file path=ppt/slides/slide7.xml><?xml version="1.0" encoding="utf-8"?>
+<file path=ppt/slides/slide8.xml><?xml version="1.0" encoding="utf-8"?>
 <p:sld xmlns:a="http://schemas.openxmlformats.org/drawingml/2006/main" xmlns:r="http://schemas.openxmlformats.org/officeDocument/2006/relationships" xmlns:p="http://schemas.openxmlformats.org/presentationml/2006/main">
   <p:cSld>
     <p:spTree>
@@ -14373,7 +16205,7 @@
 </p:sld>
 </file>
 
-<file path=ppt/slides/slide8.xml><?xml version="1.0" encoding="utf-8"?>
+<file path=ppt/slides/slide9.xml><?xml version="1.0" encoding="utf-8"?>
 <p:sld xmlns:a="http://schemas.openxmlformats.org/drawingml/2006/main" xmlns:r="http://schemas.openxmlformats.org/officeDocument/2006/relationships" xmlns:p="http://schemas.openxmlformats.org/presentationml/2006/main">
   <p:cSld>
     <p:spTree>
@@ -14451,93 +16283,6 @@
     <p:extLst>
       <p:ext uri="{BB962C8B-B14F-4D97-AF65-F5344CB8AC3E}">
         <p14:creationId xmlns:p14="http://schemas.microsoft.com/office/powerpoint/2010/main" val="2008973285"/>
-      </p:ext>
-    </p:extLst>
-  </p:cSld>
-  <p:clrMapOvr>
-    <a:masterClrMapping/>
-  </p:clrMapOvr>
-</p:sld>
-</file>
-
-<file path=ppt/slides/slide9.xml><?xml version="1.0" encoding="utf-8"?>
-<p:sld xmlns:a="http://schemas.openxmlformats.org/drawingml/2006/main" xmlns:r="http://schemas.openxmlformats.org/officeDocument/2006/relationships" xmlns:p="http://schemas.openxmlformats.org/presentationml/2006/main">
-  <p:cSld>
-    <p:spTree>
-      <p:nvGrpSpPr>
-        <p:cNvPr id="1" name=""/>
-        <p:cNvGrpSpPr/>
-        <p:nvPr/>
-      </p:nvGrpSpPr>
-      <p:grpSpPr>
-        <a:xfrm>
-          <a:off x="0" y="0"/>
-          <a:ext cx="0" cy="0"/>
-          <a:chOff x="0" y="0"/>
-          <a:chExt cx="0" cy="0"/>
-        </a:xfrm>
-      </p:grpSpPr>
-      <p:sp>
-        <p:nvSpPr>
-          <p:cNvPr id="2" name="Title 1">
-            <a:extLst>
-              <a:ext uri="{FF2B5EF4-FFF2-40B4-BE49-F238E27FC236}">
-                <a16:creationId xmlns:a16="http://schemas.microsoft.com/office/drawing/2014/main" id="{85EE84D4-245F-454D-9190-F5F3072B26DD}"/>
-              </a:ext>
-            </a:extLst>
-          </p:cNvPr>
-          <p:cNvSpPr>
-            <a:spLocks noGrp="1"/>
-          </p:cNvSpPr>
-          <p:nvPr>
-            <p:ph type="title"/>
-          </p:nvPr>
-        </p:nvSpPr>
-        <p:spPr/>
-        <p:txBody>
-          <a:bodyPr/>
-          <a:lstStyle/>
-          <a:p>
-            <a:r>
-              <a:rPr lang="en-US" dirty="0"/>
-              <a:t>Facemodule4</a:t>
-            </a:r>
-          </a:p>
-        </p:txBody>
-      </p:sp>
-      <p:pic>
-        <p:nvPicPr>
-          <p:cNvPr id="5" name="Content Placeholder 4">
-            <a:extLst>
-              <a:ext uri="{FF2B5EF4-FFF2-40B4-BE49-F238E27FC236}">
-                <a16:creationId xmlns:a16="http://schemas.microsoft.com/office/drawing/2014/main" id="{06306C58-9106-684D-A1CD-0C8911CD00B2}"/>
-              </a:ext>
-            </a:extLst>
-          </p:cNvPr>
-          <p:cNvPicPr>
-            <a:picLocks noGrp="1" noChangeAspect="1"/>
-          </p:cNvPicPr>
-          <p:nvPr>
-            <p:ph idx="1"/>
-          </p:nvPr>
-        </p:nvPicPr>
-        <p:blipFill>
-          <a:blip r:embed="rId2"/>
-          <a:stretch>
-            <a:fillRect/>
-          </a:stretch>
-        </p:blipFill>
-        <p:spPr>
-          <a:xfrm>
-            <a:off x="2365461" y="1810873"/>
-            <a:ext cx="7461077" cy="3916827"/>
-          </a:xfrm>
-        </p:spPr>
-      </p:pic>
-    </p:spTree>
-    <p:extLst>
-      <p:ext uri="{BB962C8B-B14F-4D97-AF65-F5344CB8AC3E}">
-        <p14:creationId xmlns:p14="http://schemas.microsoft.com/office/powerpoint/2010/main" val="547435029"/>
       </p:ext>
     </p:extLst>
   </p:cSld>

--- a/Final-Group-Presentation/Final-Project-Group3-Presentation.pptx
+++ b/Final-Group-Presentation/Final-Project-Group3-Presentation.pptx
@@ -13351,8 +13351,8 @@
         </p:blipFill>
         <p:spPr>
           <a:xfrm>
-            <a:off x="1778400" y="170463"/>
-            <a:ext cx="8305400" cy="6517074"/>
+            <a:off x="1693333" y="103712"/>
+            <a:ext cx="8827911" cy="6705623"/>
           </a:xfrm>
         </p:spPr>
       </p:pic>
@@ -14341,7 +14341,7 @@
         </p:blipFill>
         <p:spPr>
           <a:xfrm>
-            <a:off x="4280611" y="3500758"/>
+            <a:off x="4835075" y="3415440"/>
             <a:ext cx="2032000" cy="1543050"/>
           </a:xfrm>
           <a:prstGeom prst="rect">
@@ -14363,7 +14363,7 @@
         </p:nvSpPr>
         <p:spPr>
           <a:xfrm>
-            <a:off x="4794642" y="5037862"/>
+            <a:off x="5349106" y="4952544"/>
             <a:ext cx="1393330" cy="369332"/>
           </a:xfrm>
           <a:prstGeom prst="rect">
@@ -14471,7 +14471,7 @@
         </p:blipFill>
         <p:spPr>
           <a:xfrm>
-            <a:off x="7519875" y="3500758"/>
+            <a:off x="8313554" y="3429000"/>
             <a:ext cx="2032000" cy="1543050"/>
           </a:xfrm>
           <a:prstGeom prst="rect">
@@ -14493,7 +14493,7 @@
         </p:nvSpPr>
         <p:spPr>
           <a:xfrm>
-            <a:off x="7469842" y="5044817"/>
+            <a:off x="8263521" y="4973059"/>
             <a:ext cx="2238113" cy="369332"/>
           </a:xfrm>
           <a:prstGeom prst="rect">

--- a/Final-Group-Presentation/Final-Project-Group3-Presentation.pptx
+++ b/Final-Group-Presentation/Final-Project-Group3-Presentation.pptx
@@ -13192,8 +13192,8 @@
         </p:blipFill>
         <p:spPr>
           <a:xfrm>
-            <a:off x="9379832" y="994303"/>
-            <a:ext cx="2399847" cy="2298814"/>
+            <a:off x="9379832" y="1016881"/>
+            <a:ext cx="2807547" cy="2689350"/>
           </a:xfrm>
           <a:prstGeom prst="rect">
             <a:avLst/>
